--- a/algoritmo.pptx
+++ b/algoritmo.pptx
@@ -8,10 +8,10 @@
     <p:sldId id="256" r:id="rId2"/>
     <p:sldId id="257" r:id="rId3"/>
     <p:sldId id="258" r:id="rId4"/>
-    <p:sldId id="260" r:id="rId5"/>
-    <p:sldId id="259" r:id="rId6"/>
-    <p:sldId id="261" r:id="rId7"/>
-    <p:sldId id="262" r:id="rId8"/>
+    <p:sldId id="261" r:id="rId5"/>
+    <p:sldId id="262" r:id="rId6"/>
+    <p:sldId id="260" r:id="rId7"/>
+    <p:sldId id="259" r:id="rId8"/>
   </p:sldIdLst>
   <p:sldSz cx="12192000" cy="6858000"/>
   <p:notesSz cx="6858000" cy="9144000"/>
@@ -7334,7 +7334,7 @@
           <p:cNvPr id="2" name="Title 1">
             <a:extLst>
               <a:ext uri="{FF2B5EF4-FFF2-40B4-BE49-F238E27FC236}">
-                <a16:creationId xmlns:a16="http://schemas.microsoft.com/office/drawing/2014/main" id="{46BBF502-1E51-C44E-B7AE-02168C13D46D}"/>
+                <a16:creationId xmlns:a16="http://schemas.microsoft.com/office/drawing/2014/main" id="{B46D1804-5273-0449-AE04-C789D0C6B5B4}"/>
               </a:ext>
             </a:extLst>
           </p:cNvPr>
@@ -7345,24 +7345,267 @@
             <p:ph type="title"/>
           </p:nvPr>
         </p:nvSpPr>
-        <p:spPr/>
+        <p:spPr>
+          <a:xfrm>
+            <a:off x="3242929" y="467140"/>
+            <a:ext cx="8187071" cy="5864086"/>
+          </a:xfrm>
+        </p:spPr>
         <p:txBody>
-          <a:bodyPr/>
+          <a:bodyPr anchor="ctr">
+            <a:normAutofit/>
+          </a:bodyPr>
           <a:lstStyle/>
           <a:p>
-            <a:r>
-              <a:rPr lang="es-ES_tradnl" dirty="0"/>
-              <a:t>Llave</a:t>
+            <a:pPr>
+              <a:lnSpc>
+                <a:spcPct val="200000"/>
+              </a:lnSpc>
+            </a:pPr>
+            <a:r>
+              <a:rPr lang="es-ES_tradnl" sz="2000" cap="none" spc="0" dirty="0">
+                <a:solidFill>
+                  <a:schemeClr val="tx1">
+                    <a:lumMod val="65000"/>
+                    <a:lumOff val="35000"/>
+                  </a:schemeClr>
+                </a:solidFill>
+                <a:latin typeface="+mn-lt"/>
+                <a:ea typeface="+mn-ea"/>
+                <a:cs typeface="+mn-cs"/>
+              </a:rPr>
+              <a:t>1.  </a:t>
+            </a:r>
+            <a:r>
+              <a:rPr lang="es-ES_tradnl" sz="2000" cap="none" spc="0" dirty="0" err="1">
+                <a:solidFill>
+                  <a:schemeClr val="tx1">
+                    <a:lumMod val="65000"/>
+                    <a:lumOff val="35000"/>
+                  </a:schemeClr>
+                </a:solidFill>
+                <a:latin typeface="+mn-lt"/>
+                <a:ea typeface="+mn-ea"/>
+                <a:cs typeface="+mn-cs"/>
+              </a:rPr>
+              <a:t>shift_rows</a:t>
+            </a:r>
+            <a:r>
+              <a:rPr lang="es-ES_tradnl" sz="2000" cap="none" spc="0" dirty="0">
+                <a:solidFill>
+                  <a:schemeClr val="tx1">
+                    <a:lumMod val="65000"/>
+                    <a:lumOff val="35000"/>
+                  </a:schemeClr>
+                </a:solidFill>
+                <a:latin typeface="+mn-lt"/>
+                <a:ea typeface="+mn-ea"/>
+                <a:cs typeface="+mn-cs"/>
+              </a:rPr>
+              <a:t> (</a:t>
+            </a:r>
+            <a:r>
+              <a:rPr lang="es-ES_tradnl" sz="2000" cap="none" spc="0" dirty="0" err="1">
+                <a:solidFill>
+                  <a:schemeClr val="tx1">
+                    <a:lumMod val="65000"/>
+                    <a:lumOff val="35000"/>
+                  </a:schemeClr>
+                </a:solidFill>
+                <a:latin typeface="+mn-lt"/>
+                <a:ea typeface="+mn-ea"/>
+                <a:cs typeface="+mn-cs"/>
+              </a:rPr>
+              <a:t>left</a:t>
+            </a:r>
+            <a:r>
+              <a:rPr lang="es-ES_tradnl" sz="2000" cap="none" spc="0" dirty="0">
+                <a:solidFill>
+                  <a:schemeClr val="tx1">
+                    <a:lumMod val="65000"/>
+                    <a:lumOff val="35000"/>
+                  </a:schemeClr>
+                </a:solidFill>
+                <a:latin typeface="+mn-lt"/>
+                <a:ea typeface="+mn-ea"/>
+                <a:cs typeface="+mn-cs"/>
+              </a:rPr>
+              <a:t>)</a:t>
+            </a:r>
+            <a:br>
+              <a:rPr lang="es-ES_tradnl" sz="2000" cap="none" spc="0" dirty="0">
+                <a:solidFill>
+                  <a:schemeClr val="tx1">
+                    <a:lumMod val="65000"/>
+                    <a:lumOff val="35000"/>
+                  </a:schemeClr>
+                </a:solidFill>
+                <a:latin typeface="+mn-lt"/>
+                <a:ea typeface="+mn-ea"/>
+                <a:cs typeface="+mn-cs"/>
+              </a:rPr>
+            </a:br>
+            <a:r>
+              <a:rPr lang="es-ES_tradnl" sz="2000" cap="none" spc="0" dirty="0">
+                <a:solidFill>
+                  <a:schemeClr val="tx1">
+                    <a:lumMod val="65000"/>
+                    <a:lumOff val="35000"/>
+                  </a:schemeClr>
+                </a:solidFill>
+                <a:latin typeface="+mn-lt"/>
+                <a:ea typeface="+mn-ea"/>
+                <a:cs typeface="+mn-cs"/>
+              </a:rPr>
+              <a:t>2.  </a:t>
+            </a:r>
+            <a:r>
+              <a:rPr lang="es-ES_tradnl" sz="2000" cap="none" spc="0" dirty="0" err="1">
+                <a:solidFill>
+                  <a:schemeClr val="tx1">
+                    <a:lumMod val="65000"/>
+                    <a:lumOff val="35000"/>
+                  </a:schemeClr>
+                </a:solidFill>
+                <a:latin typeface="+mn-lt"/>
+                <a:ea typeface="+mn-ea"/>
+                <a:cs typeface="+mn-cs"/>
+              </a:rPr>
+              <a:t>shift_bits</a:t>
+            </a:r>
+            <a:br>
+              <a:rPr lang="es-ES_tradnl" sz="2000" cap="none" spc="0" dirty="0">
+                <a:solidFill>
+                  <a:schemeClr val="tx1">
+                    <a:lumMod val="65000"/>
+                    <a:lumOff val="35000"/>
+                  </a:schemeClr>
+                </a:solidFill>
+                <a:latin typeface="+mn-lt"/>
+                <a:ea typeface="+mn-ea"/>
+                <a:cs typeface="+mn-cs"/>
+              </a:rPr>
+            </a:br>
+            <a:r>
+              <a:rPr lang="es-ES_tradnl" sz="2000" cap="none" spc="0" dirty="0">
+                <a:solidFill>
+                  <a:schemeClr val="tx1">
+                    <a:lumMod val="65000"/>
+                    <a:lumOff val="35000"/>
+                  </a:schemeClr>
+                </a:solidFill>
+                <a:latin typeface="+mn-lt"/>
+                <a:ea typeface="+mn-ea"/>
+                <a:cs typeface="+mn-cs"/>
+              </a:rPr>
+              <a:t>3.  </a:t>
+            </a:r>
+            <a:r>
+              <a:rPr lang="es-ES_tradnl" sz="2000" cap="none" spc="0" dirty="0" err="1">
+                <a:solidFill>
+                  <a:schemeClr val="tx1">
+                    <a:lumMod val="65000"/>
+                    <a:lumOff val="35000"/>
+                  </a:schemeClr>
+                </a:solidFill>
+                <a:latin typeface="+mn-lt"/>
+                <a:ea typeface="+mn-ea"/>
+                <a:cs typeface="+mn-cs"/>
+              </a:rPr>
+              <a:t>transpose</a:t>
+            </a:r>
+            <a:br>
+              <a:rPr lang="es-ES_tradnl" sz="2000" cap="none" spc="0" dirty="0">
+                <a:solidFill>
+                  <a:schemeClr val="tx1">
+                    <a:lumMod val="65000"/>
+                    <a:lumOff val="35000"/>
+                  </a:schemeClr>
+                </a:solidFill>
+                <a:latin typeface="+mn-lt"/>
+                <a:ea typeface="+mn-ea"/>
+                <a:cs typeface="+mn-cs"/>
+              </a:rPr>
+            </a:br>
+            <a:r>
+              <a:rPr lang="es-ES_tradnl" sz="2000" cap="none" spc="0" dirty="0">
+                <a:solidFill>
+                  <a:schemeClr val="tx1">
+                    <a:lumMod val="65000"/>
+                    <a:lumOff val="35000"/>
+                  </a:schemeClr>
+                </a:solidFill>
+                <a:latin typeface="+mn-lt"/>
+                <a:ea typeface="+mn-ea"/>
+                <a:cs typeface="+mn-cs"/>
+              </a:rPr>
+              <a:t>4.  </a:t>
+            </a:r>
+            <a:r>
+              <a:rPr lang="es-ES_tradnl" sz="2000" cap="none" spc="0" dirty="0" err="1">
+                <a:solidFill>
+                  <a:schemeClr val="tx1">
+                    <a:lumMod val="65000"/>
+                    <a:lumOff val="35000"/>
+                  </a:schemeClr>
+                </a:solidFill>
+                <a:latin typeface="+mn-lt"/>
+                <a:ea typeface="+mn-ea"/>
+                <a:cs typeface="+mn-cs"/>
+              </a:rPr>
+              <a:t>bit_operations</a:t>
+            </a:r>
+            <a:r>
+              <a:rPr lang="es-ES_tradnl" sz="2000" cap="none" spc="0" dirty="0">
+                <a:solidFill>
+                  <a:schemeClr val="tx1">
+                    <a:lumMod val="65000"/>
+                    <a:lumOff val="35000"/>
+                  </a:schemeClr>
+                </a:solidFill>
+                <a:latin typeface="+mn-lt"/>
+                <a:ea typeface="+mn-ea"/>
+                <a:cs typeface="+mn-cs"/>
+              </a:rPr>
+              <a:t> (XOR, </a:t>
+            </a:r>
+            <a:r>
+              <a:rPr lang="es-ES_tradnl" sz="2000" cap="none" spc="0" dirty="0" err="1">
+                <a:solidFill>
+                  <a:schemeClr val="tx1">
+                    <a:lumMod val="65000"/>
+                    <a:lumOff val="35000"/>
+                  </a:schemeClr>
+                </a:solidFill>
+                <a:latin typeface="+mn-lt"/>
+                <a:ea typeface="+mn-ea"/>
+                <a:cs typeface="+mn-cs"/>
+              </a:rPr>
+              <a:t>not</a:t>
+            </a:r>
+            <a:r>
+              <a:rPr lang="es-ES_tradnl" sz="2000" cap="none" spc="0" dirty="0">
+                <a:solidFill>
+                  <a:schemeClr val="tx1">
+                    <a:lumMod val="65000"/>
+                    <a:lumOff val="35000"/>
+                  </a:schemeClr>
+                </a:solidFill>
+                <a:latin typeface="+mn-lt"/>
+                <a:ea typeface="+mn-ea"/>
+                <a:cs typeface="+mn-cs"/>
+              </a:rPr>
+              <a:t>)</a:t>
             </a:r>
           </a:p>
         </p:txBody>
       </p:sp>
       <p:sp>
         <p:nvSpPr>
-          <p:cNvPr id="3" name="Content Placeholder 2">
+          <p:cNvPr id="3" name="Text Placeholder 2">
             <a:extLst>
               <a:ext uri="{FF2B5EF4-FFF2-40B4-BE49-F238E27FC236}">
-                <a16:creationId xmlns:a16="http://schemas.microsoft.com/office/drawing/2014/main" id="{95515B0F-D142-834E-AAF4-62ED6212F79C}"/>
+                <a16:creationId xmlns:a16="http://schemas.microsoft.com/office/drawing/2014/main" id="{C720A0A3-462E-4A41-9E68-6C3317772C4D}"/>
               </a:ext>
             </a:extLst>
           </p:cNvPr>
@@ -7370,176 +7613,276 @@
             <a:spLocks noGrp="1"/>
           </p:cNvSpPr>
           <p:nvPr>
-            <p:ph idx="1"/>
+            <p:ph type="body" idx="1"/>
           </p:nvPr>
         </p:nvSpPr>
         <p:spPr>
           <a:xfrm>
-            <a:off x="1251678" y="1272209"/>
-            <a:ext cx="10178322" cy="5203406"/>
+            <a:off x="118730" y="0"/>
+            <a:ext cx="845366" cy="6857999"/>
           </a:xfrm>
         </p:spPr>
         <p:txBody>
-          <a:bodyPr>
-            <a:normAutofit fontScale="92500" lnSpcReduction="20000"/>
+          <a:bodyPr vert="wordArtVert">
+            <a:noAutofit/>
           </a:bodyPr>
           <a:lstStyle/>
           <a:p>
-            <a:r>
-              <a:rPr lang="es-ES_tradnl" dirty="0"/>
-              <a:t>Llave de máximo 20 caracteres para cifrar texto de máximo 100 caracteres.</a:t>
-            </a:r>
-          </a:p>
-          <a:p>
-            <a:r>
-              <a:rPr lang="es-ES_tradnl" dirty="0"/>
-              <a:t>Para que el algoritmo sea más seguro, la llave debe de ser mínimo de 100 caracteres.</a:t>
-            </a:r>
-          </a:p>
-          <a:p>
-            <a:r>
-              <a:rPr lang="es-ES_tradnl" dirty="0"/>
-              <a:t>Se coloca la clave en una matriz de 10 x 10 caracteres.</a:t>
-            </a:r>
-          </a:p>
-          <a:p>
-            <a:r>
-              <a:rPr lang="es-ES_tradnl" dirty="0"/>
-              <a:t>En el espacio que sobra se vuelve a copiar la clave, pero se le suma a cada </a:t>
-            </a:r>
-            <a:r>
-              <a:rPr lang="es-ES_tradnl" dirty="0" err="1"/>
-              <a:t>caracter</a:t>
-            </a:r>
-            <a:r>
-              <a:rPr lang="es-ES_tradnl" dirty="0"/>
-              <a:t> el número de veces que se ha repetido la clave (esta vez 1) y el índice del carácter de la clave.</a:t>
-            </a:r>
-          </a:p>
-          <a:p>
-            <a:r>
-              <a:rPr lang="es-ES_tradnl" dirty="0"/>
-              <a:t>Posteriormente se repite el proceso ahora copiando la llave ya mutada y aumentándole 1 al número de repeticiones.</a:t>
-            </a:r>
-          </a:p>
-          <a:p>
-            <a:pPr marL="0" indent="0">
-              <a:buNone/>
-            </a:pPr>
-            <a:r>
-              <a:rPr lang="es-ES_tradnl" b="1" dirty="0"/>
-              <a:t>Ej</a:t>
-            </a:r>
-            <a:r>
-              <a:rPr lang="es-ES_tradnl" dirty="0"/>
-              <a:t>.</a:t>
-            </a:r>
-          </a:p>
-          <a:p>
-            <a:pPr marL="0" indent="0">
-              <a:buNone/>
-            </a:pPr>
-            <a:r>
-              <a:rPr lang="es-ES_tradnl" b="1" dirty="0"/>
-              <a:t>Clave</a:t>
-            </a:r>
-            <a:r>
-              <a:rPr lang="es-ES_tradnl" dirty="0"/>
-              <a:t>: hola</a:t>
-            </a:r>
-          </a:p>
-          <a:p>
-            <a:pPr marL="0" indent="0">
-              <a:buNone/>
-            </a:pPr>
-            <a:r>
-              <a:rPr lang="es-ES_tradnl" b="1" dirty="0"/>
-              <a:t>Repetición</a:t>
-            </a:r>
-            <a:r>
-              <a:rPr lang="es-ES_tradnl" dirty="0"/>
-              <a:t> </a:t>
-            </a:r>
-            <a:r>
-              <a:rPr lang="es-ES_tradnl" b="1" dirty="0"/>
-              <a:t>1</a:t>
-            </a:r>
-            <a:r>
-              <a:rPr lang="es-ES_tradnl" dirty="0"/>
-              <a:t>: 	h+1+0 = i	o+1+1 = q	l+1+2 = o	a+1+3 = e</a:t>
-            </a:r>
-          </a:p>
-          <a:p>
-            <a:pPr marL="0" indent="0">
-              <a:buNone/>
-            </a:pPr>
-            <a:r>
-              <a:rPr lang="es-ES_tradnl" dirty="0"/>
-              <a:t>→	</a:t>
-            </a:r>
-            <a:r>
-              <a:rPr lang="es-ES_tradnl" dirty="0" err="1"/>
-              <a:t>iqoe</a:t>
-            </a:r>
-            <a:endParaRPr lang="es-ES_tradnl" dirty="0"/>
-          </a:p>
-          <a:p>
-            <a:pPr marL="0" indent="0">
-              <a:buNone/>
-            </a:pPr>
-            <a:r>
-              <a:rPr lang="es-ES_tradnl" b="1" dirty="0"/>
-              <a:t>Repetición 2</a:t>
-            </a:r>
-            <a:r>
-              <a:rPr lang="es-ES_tradnl" dirty="0"/>
-              <a:t>: 	i+2+0 = k	q+2+1 = t	o+2+2 = s	e+2+3 = j</a:t>
-            </a:r>
-          </a:p>
-          <a:p>
-            <a:pPr marL="0" indent="0">
-              <a:buNone/>
-            </a:pPr>
-            <a:r>
-              <a:rPr lang="es-ES_tradnl" dirty="0"/>
-              <a:t>→	</a:t>
-            </a:r>
-            <a:r>
-              <a:rPr lang="es-ES_tradnl" dirty="0" err="1"/>
-              <a:t>ktsj</a:t>
-            </a:r>
-            <a:endParaRPr lang="es-ES_tradnl" dirty="0"/>
-          </a:p>
-          <a:p>
-            <a:pPr marL="0" indent="0">
-              <a:buNone/>
-            </a:pPr>
-            <a:endParaRPr lang="es-ES_tradnl" dirty="0"/>
-          </a:p>
-          <a:p>
-            <a:pPr marL="0" indent="0">
-              <a:buNone/>
-            </a:pPr>
-            <a:r>
-              <a:rPr lang="es-ES_tradnl" b="1" dirty="0"/>
-              <a:t>Clave resultante</a:t>
-            </a:r>
-            <a:r>
-              <a:rPr lang="es-ES_tradnl" dirty="0"/>
-              <a:t>: </a:t>
-            </a:r>
-            <a:r>
-              <a:rPr lang="es-ES_tradnl" dirty="0" err="1"/>
-              <a:t>holaiqoektsj</a:t>
-            </a:r>
-            <a:endParaRPr lang="es-ES_tradnl" dirty="0"/>
+            <a:pPr algn="ctr"/>
+            <a:r>
+              <a:rPr lang="es-ES_tradnl" sz="2700" dirty="0"/>
+              <a:t>Procedimiento</a:t>
+            </a:r>
+          </a:p>
+        </p:txBody>
+      </p:sp>
+      <p:sp>
+        <p:nvSpPr>
+          <p:cNvPr id="4" name="Text Placeholder 2">
+            <a:extLst>
+              <a:ext uri="{FF2B5EF4-FFF2-40B4-BE49-F238E27FC236}">
+                <a16:creationId xmlns:a16="http://schemas.microsoft.com/office/drawing/2014/main" id="{15754AED-572A-5548-B83D-5D9873F93B6A}"/>
+              </a:ext>
+            </a:extLst>
+          </p:cNvPr>
+          <p:cNvSpPr txBox="1">
+            <a:spLocks/>
+          </p:cNvSpPr>
+          <p:nvPr/>
+        </p:nvSpPr>
+        <p:spPr>
+          <a:xfrm>
+            <a:off x="762000" y="-29817"/>
+            <a:ext cx="845366" cy="6857999"/>
+          </a:xfrm>
+          <a:prstGeom prst="rect">
+            <a:avLst/>
+          </a:prstGeom>
+        </p:spPr>
+        <p:txBody>
+          <a:bodyPr vert="wordArtVert" lIns="91440" tIns="45720" rIns="91440" bIns="45720" rtlCol="0">
+            <a:noAutofit/>
+          </a:bodyPr>
+          <a:lstStyle>
+            <a:lvl1pPr marL="0" indent="0" algn="l" defTabSz="914400" rtl="0" eaLnBrk="1" latinLnBrk="0" hangingPunct="1">
+              <a:lnSpc>
+                <a:spcPct val="100000"/>
+              </a:lnSpc>
+              <a:spcBef>
+                <a:spcPts val="700"/>
+              </a:spcBef>
+              <a:buClr>
+                <a:schemeClr val="tx2"/>
+              </a:buClr>
+              <a:buFont typeface="Arial" panose="020B0604020202020204" pitchFamily="34" charset="0"/>
+              <a:buNone/>
+              <a:defRPr sz="2000" b="1" i="0" kern="1200" cap="all" spc="400" baseline="0">
+                <a:solidFill>
+                  <a:schemeClr val="accent1"/>
+                </a:solidFill>
+                <a:latin typeface="+mn-lt"/>
+                <a:ea typeface="+mn-ea"/>
+                <a:cs typeface="+mn-cs"/>
+              </a:defRPr>
+            </a:lvl1pPr>
+            <a:lvl2pPr marL="457200" indent="0" algn="l" defTabSz="914400" rtl="0" eaLnBrk="1" latinLnBrk="0" hangingPunct="1">
+              <a:lnSpc>
+                <a:spcPct val="110000"/>
+              </a:lnSpc>
+              <a:spcBef>
+                <a:spcPts val="700"/>
+              </a:spcBef>
+              <a:buClr>
+                <a:schemeClr val="tx2"/>
+              </a:buClr>
+              <a:buFont typeface="Gill Sans MT" panose="020B0502020104020203" pitchFamily="34" charset="0"/>
+              <a:buNone/>
+              <a:defRPr sz="2000" kern="1200">
+                <a:solidFill>
+                  <a:schemeClr val="tx1">
+                    <a:tint val="75000"/>
+                  </a:schemeClr>
+                </a:solidFill>
+                <a:latin typeface="+mn-lt"/>
+                <a:ea typeface="+mn-ea"/>
+                <a:cs typeface="+mn-cs"/>
+              </a:defRPr>
+            </a:lvl2pPr>
+            <a:lvl3pPr marL="914400" indent="0" algn="l" defTabSz="914400" rtl="0" eaLnBrk="1" latinLnBrk="0" hangingPunct="1">
+              <a:lnSpc>
+                <a:spcPct val="110000"/>
+              </a:lnSpc>
+              <a:spcBef>
+                <a:spcPts val="700"/>
+              </a:spcBef>
+              <a:buClr>
+                <a:schemeClr val="tx2"/>
+              </a:buClr>
+              <a:buFont typeface="Arial" panose="020B0604020202020204" pitchFamily="34" charset="0"/>
+              <a:buNone/>
+              <a:defRPr sz="1800" kern="1200">
+                <a:solidFill>
+                  <a:schemeClr val="tx1">
+                    <a:tint val="75000"/>
+                  </a:schemeClr>
+                </a:solidFill>
+                <a:latin typeface="+mn-lt"/>
+                <a:ea typeface="+mn-ea"/>
+                <a:cs typeface="+mn-cs"/>
+              </a:defRPr>
+            </a:lvl3pPr>
+            <a:lvl4pPr marL="1371600" indent="0" algn="l" defTabSz="914400" rtl="0" eaLnBrk="1" latinLnBrk="0" hangingPunct="1">
+              <a:lnSpc>
+                <a:spcPct val="110000"/>
+              </a:lnSpc>
+              <a:spcBef>
+                <a:spcPts val="700"/>
+              </a:spcBef>
+              <a:buClr>
+                <a:schemeClr val="tx2"/>
+              </a:buClr>
+              <a:buFont typeface="Gill Sans MT" panose="020B0502020104020203" pitchFamily="34" charset="0"/>
+              <a:buNone/>
+              <a:defRPr sz="1600" kern="1200">
+                <a:solidFill>
+                  <a:schemeClr val="tx1">
+                    <a:tint val="75000"/>
+                  </a:schemeClr>
+                </a:solidFill>
+                <a:latin typeface="+mn-lt"/>
+                <a:ea typeface="+mn-ea"/>
+                <a:cs typeface="+mn-cs"/>
+              </a:defRPr>
+            </a:lvl4pPr>
+            <a:lvl5pPr marL="1828800" indent="0" algn="l" defTabSz="914400" rtl="0" eaLnBrk="1" latinLnBrk="0" hangingPunct="1">
+              <a:lnSpc>
+                <a:spcPct val="110000"/>
+              </a:lnSpc>
+              <a:spcBef>
+                <a:spcPts val="700"/>
+              </a:spcBef>
+              <a:buClr>
+                <a:schemeClr val="tx2"/>
+              </a:buClr>
+              <a:buFont typeface="Arial" panose="020B0604020202020204" pitchFamily="34" charset="0"/>
+              <a:buNone/>
+              <a:defRPr sz="1600" kern="1200">
+                <a:solidFill>
+                  <a:schemeClr val="tx1">
+                    <a:tint val="75000"/>
+                  </a:schemeClr>
+                </a:solidFill>
+                <a:latin typeface="+mn-lt"/>
+                <a:ea typeface="+mn-ea"/>
+                <a:cs typeface="+mn-cs"/>
+              </a:defRPr>
+            </a:lvl5pPr>
+            <a:lvl6pPr marL="2286000" indent="0" algn="l" defTabSz="914400" rtl="0" eaLnBrk="1" latinLnBrk="0" hangingPunct="1">
+              <a:lnSpc>
+                <a:spcPct val="110000"/>
+              </a:lnSpc>
+              <a:spcBef>
+                <a:spcPts val="700"/>
+              </a:spcBef>
+              <a:buClr>
+                <a:schemeClr val="tx2"/>
+              </a:buClr>
+              <a:buFont typeface="Gill Sans MT" panose="020B0502020104020203" pitchFamily="34" charset="0"/>
+              <a:buNone/>
+              <a:defRPr sz="1600" kern="1200">
+                <a:solidFill>
+                  <a:schemeClr val="tx1">
+                    <a:tint val="75000"/>
+                  </a:schemeClr>
+                </a:solidFill>
+                <a:latin typeface="+mn-lt"/>
+                <a:ea typeface="+mn-ea"/>
+                <a:cs typeface="+mn-cs"/>
+              </a:defRPr>
+            </a:lvl6pPr>
+            <a:lvl7pPr marL="2743200" indent="0" algn="l" defTabSz="914400" rtl="0" eaLnBrk="1" latinLnBrk="0" hangingPunct="1">
+              <a:lnSpc>
+                <a:spcPct val="110000"/>
+              </a:lnSpc>
+              <a:spcBef>
+                <a:spcPts val="700"/>
+              </a:spcBef>
+              <a:buClr>
+                <a:schemeClr val="tx2"/>
+              </a:buClr>
+              <a:buFont typeface="Arial" panose="020B0604020202020204" pitchFamily="34" charset="0"/>
+              <a:buNone/>
+              <a:defRPr sz="1600" kern="1200">
+                <a:solidFill>
+                  <a:schemeClr val="tx1">
+                    <a:tint val="75000"/>
+                  </a:schemeClr>
+                </a:solidFill>
+                <a:latin typeface="+mn-lt"/>
+                <a:ea typeface="+mn-ea"/>
+                <a:cs typeface="+mn-cs"/>
+              </a:defRPr>
+            </a:lvl7pPr>
+            <a:lvl8pPr marL="3200400" indent="0" algn="l" defTabSz="914400" rtl="0" eaLnBrk="1" latinLnBrk="0" hangingPunct="1">
+              <a:lnSpc>
+                <a:spcPct val="110000"/>
+              </a:lnSpc>
+              <a:spcBef>
+                <a:spcPts val="700"/>
+              </a:spcBef>
+              <a:buClr>
+                <a:schemeClr val="tx2"/>
+              </a:buClr>
+              <a:buFont typeface="Gill Sans MT" panose="020B0502020104020203" pitchFamily="34" charset="0"/>
+              <a:buNone/>
+              <a:defRPr sz="1600" kern="1200" baseline="0">
+                <a:solidFill>
+                  <a:schemeClr val="tx1">
+                    <a:tint val="75000"/>
+                  </a:schemeClr>
+                </a:solidFill>
+                <a:latin typeface="+mn-lt"/>
+                <a:ea typeface="+mn-ea"/>
+                <a:cs typeface="+mn-cs"/>
+              </a:defRPr>
+            </a:lvl8pPr>
+            <a:lvl9pPr marL="3657600" indent="0" algn="l" defTabSz="914400" rtl="0" eaLnBrk="1" latinLnBrk="0" hangingPunct="1">
+              <a:lnSpc>
+                <a:spcPct val="110000"/>
+              </a:lnSpc>
+              <a:spcBef>
+                <a:spcPts val="700"/>
+              </a:spcBef>
+              <a:buClr>
+                <a:schemeClr val="tx2"/>
+              </a:buClr>
+              <a:buFont typeface="Arial" panose="020B0604020202020204" pitchFamily="34" charset="0"/>
+              <a:buNone/>
+              <a:defRPr sz="1600" kern="1200" baseline="0">
+                <a:solidFill>
+                  <a:schemeClr val="tx1">
+                    <a:tint val="75000"/>
+                  </a:schemeClr>
+                </a:solidFill>
+                <a:latin typeface="+mn-lt"/>
+                <a:ea typeface="+mn-ea"/>
+                <a:cs typeface="+mn-cs"/>
+              </a:defRPr>
+            </a:lvl9pPr>
+          </a:lstStyle>
+          <a:p>
+            <a:pPr algn="ctr"/>
+            <a:r>
+              <a:rPr lang="es-ES_tradnl" sz="2700" dirty="0"/>
+              <a:t>cifrado</a:t>
+            </a:r>
           </a:p>
         </p:txBody>
       </p:sp>
     </p:spTree>
     <p:extLst>
       <p:ext uri="{BB962C8B-B14F-4D97-AF65-F5344CB8AC3E}">
-        <p14:creationId xmlns:p14="http://schemas.microsoft.com/office/powerpoint/2010/main" val="2180877618"/>
+        <p14:creationId xmlns:p14="http://schemas.microsoft.com/office/powerpoint/2010/main" val="4178374228"/>
       </p:ext>
     </p:extLst>
   </p:cSld>
@@ -7611,7 +7954,63 @@
                 <a:ea typeface="+mn-ea"/>
                 <a:cs typeface="+mn-cs"/>
               </a:rPr>
-              <a:t>1.  Elegir si se quiere cifrar o descifrar.</a:t>
+              <a:t>1.  </a:t>
+            </a:r>
+            <a:r>
+              <a:rPr lang="es-ES_tradnl" sz="2000" cap="none" spc="0" dirty="0" err="1">
+                <a:solidFill>
+                  <a:schemeClr val="tx1">
+                    <a:lumMod val="65000"/>
+                    <a:lumOff val="35000"/>
+                  </a:schemeClr>
+                </a:solidFill>
+                <a:latin typeface="+mn-lt"/>
+                <a:ea typeface="+mn-ea"/>
+                <a:cs typeface="+mn-cs"/>
+              </a:rPr>
+              <a:t>bit_operations</a:t>
+            </a:r>
+            <a:r>
+              <a:rPr lang="es-ES_tradnl" sz="2000" cap="none" spc="0" dirty="0">
+                <a:solidFill>
+                  <a:schemeClr val="tx1">
+                    <a:lumMod val="65000"/>
+                    <a:lumOff val="35000"/>
+                  </a:schemeClr>
+                </a:solidFill>
+                <a:latin typeface="+mn-lt"/>
+                <a:ea typeface="+mn-ea"/>
+                <a:cs typeface="+mn-cs"/>
+              </a:rPr>
+              <a:t> (</a:t>
+            </a:r>
+            <a:r>
+              <a:rPr lang="es-ES_tradnl" sz="2000" cap="none" spc="0" dirty="0" err="1">
+                <a:solidFill>
+                  <a:schemeClr val="tx1">
+                    <a:lumMod val="65000"/>
+                    <a:lumOff val="35000"/>
+                  </a:schemeClr>
+                </a:solidFill>
+                <a:latin typeface="+mn-lt"/>
+                <a:ea typeface="+mn-ea"/>
+                <a:cs typeface="+mn-cs"/>
+              </a:rPr>
+              <a:t>not</a:t>
+            </a:r>
+            <a:r>
+              <a:rPr lang="es-ES_tradnl" sz="2000" cap="none" spc="0" dirty="0">
+                <a:solidFill>
+                  <a:schemeClr val="tx1">
+                    <a:lumMod val="65000"/>
+                    <a:lumOff val="35000"/>
+                  </a:schemeClr>
+                </a:solidFill>
+                <a:latin typeface="+mn-lt"/>
+                <a:ea typeface="+mn-ea"/>
+                <a:cs typeface="+mn-cs"/>
+              </a:rPr>
+              <a:t>, XOR)</a:t>
             </a:r>
             <a:br>
               <a:rPr lang="es-ES_tradnl" sz="2000" cap="none" spc="0" dirty="0">
@@ -7638,7 +8037,21 @@
                 <a:ea typeface="+mn-ea"/>
                 <a:cs typeface="+mn-cs"/>
               </a:rPr>
-              <a:t>2.  Ingresar el nombre del archivo con el texto a cifrar/descifrar.</a:t>
+              <a:t>2.  </a:t>
+            </a:r>
+            <a:r>
+              <a:rPr lang="es-ES_tradnl" sz="2000" cap="none" spc="0" dirty="0" err="1">
+                <a:solidFill>
+                  <a:schemeClr val="tx1">
+                    <a:lumMod val="65000"/>
+                    <a:lumOff val="35000"/>
+                  </a:schemeClr>
+                </a:solidFill>
+                <a:latin typeface="+mn-lt"/>
+                <a:ea typeface="+mn-ea"/>
+                <a:cs typeface="+mn-cs"/>
+              </a:rPr>
+              <a:t>transpose</a:t>
             </a:r>
             <a:br>
               <a:rPr lang="es-ES_tradnl" sz="2000" cap="none" spc="0" dirty="0">
@@ -7665,7 +8078,21 @@
                 <a:ea typeface="+mn-ea"/>
                 <a:cs typeface="+mn-cs"/>
               </a:rPr>
-              <a:t>3.  Ingresar la llave/clave.</a:t>
+              <a:t>3.  </a:t>
+            </a:r>
+            <a:r>
+              <a:rPr lang="es-ES_tradnl" sz="2000" cap="none" spc="0" dirty="0" err="1">
+                <a:solidFill>
+                  <a:schemeClr val="tx1">
+                    <a:lumMod val="65000"/>
+                    <a:lumOff val="35000"/>
+                  </a:schemeClr>
+                </a:solidFill>
+                <a:latin typeface="+mn-lt"/>
+                <a:ea typeface="+mn-ea"/>
+                <a:cs typeface="+mn-cs"/>
+              </a:rPr>
+              <a:t>shift_bits</a:t>
             </a:r>
             <a:br>
               <a:rPr lang="es-ES_tradnl" sz="2000" cap="none" spc="0" dirty="0">
@@ -7692,204 +8119,7 @@
                 <a:ea typeface="+mn-ea"/>
                 <a:cs typeface="+mn-cs"/>
               </a:rPr>
-              <a:t>4.  Mutar la llave.</a:t>
-            </a:r>
-            <a:br>
-              <a:rPr lang="es-ES_tradnl" sz="2000" cap="none" spc="0" dirty="0">
-                <a:solidFill>
-                  <a:schemeClr val="tx1">
-                    <a:lumMod val="65000"/>
-                    <a:lumOff val="35000"/>
-                  </a:schemeClr>
-                </a:solidFill>
-                <a:latin typeface="+mn-lt"/>
-                <a:ea typeface="+mn-ea"/>
-                <a:cs typeface="+mn-cs"/>
-              </a:rPr>
-            </a:br>
-            <a:r>
-              <a:rPr lang="es-ES_tradnl" sz="2000" cap="none" spc="0" dirty="0">
-                <a:solidFill>
-                  <a:schemeClr val="tx1">
-                    <a:lumMod val="65000"/>
-                    <a:lumOff val="35000"/>
-                  </a:schemeClr>
-                </a:solidFill>
-                <a:latin typeface="+mn-lt"/>
-                <a:ea typeface="+mn-ea"/>
-                <a:cs typeface="+mn-cs"/>
-              </a:rPr>
-              <a:t>5.  Cifrar/descifrar.</a:t>
-            </a:r>
-            <a:br>
-              <a:rPr lang="es-ES_tradnl" sz="2000" cap="none" spc="0" dirty="0">
-                <a:solidFill>
-                  <a:schemeClr val="tx1">
-                    <a:lumMod val="65000"/>
-                    <a:lumOff val="35000"/>
-                  </a:schemeClr>
-                </a:solidFill>
-                <a:latin typeface="+mn-lt"/>
-                <a:ea typeface="+mn-ea"/>
-                <a:cs typeface="+mn-cs"/>
-              </a:rPr>
-            </a:br>
-            <a:r>
-              <a:rPr lang="es-ES_tradnl" sz="2000" cap="none" spc="0" dirty="0">
-                <a:solidFill>
-                  <a:schemeClr val="tx1">
-                    <a:lumMod val="65000"/>
-                    <a:lumOff val="35000"/>
-                  </a:schemeClr>
-                </a:solidFill>
-                <a:latin typeface="+mn-lt"/>
-                <a:ea typeface="+mn-ea"/>
-                <a:cs typeface="+mn-cs"/>
-              </a:rPr>
-              <a:t>6.  Imprimir el mensaje cifrado/descifrado.</a:t>
-            </a:r>
-            <a:br>
-              <a:rPr lang="es-ES_tradnl" sz="2000" cap="none" spc="0" dirty="0">
-                <a:solidFill>
-                  <a:schemeClr val="tx1">
-                    <a:lumMod val="65000"/>
-                    <a:lumOff val="35000"/>
-                  </a:schemeClr>
-                </a:solidFill>
-                <a:latin typeface="+mn-lt"/>
-                <a:ea typeface="+mn-ea"/>
-                <a:cs typeface="+mn-cs"/>
-              </a:rPr>
-            </a:br>
-            <a:r>
-              <a:rPr lang="es-ES_tradnl" sz="2000" cap="none" spc="0" dirty="0">
-                <a:solidFill>
-                  <a:schemeClr val="tx1">
-                    <a:lumMod val="65000"/>
-                    <a:lumOff val="35000"/>
-                  </a:schemeClr>
-                </a:solidFill>
-                <a:latin typeface="+mn-lt"/>
-                <a:ea typeface="+mn-ea"/>
-                <a:cs typeface="+mn-cs"/>
-              </a:rPr>
-              <a:t>7.  Escribir el mensaje en un archivo.</a:t>
-            </a:r>
-          </a:p>
-        </p:txBody>
-      </p:sp>
-      <p:sp>
-        <p:nvSpPr>
-          <p:cNvPr id="3" name="Text Placeholder 2">
-            <a:extLst>
-              <a:ext uri="{FF2B5EF4-FFF2-40B4-BE49-F238E27FC236}">
-                <a16:creationId xmlns:a16="http://schemas.microsoft.com/office/drawing/2014/main" id="{C720A0A3-462E-4A41-9E68-6C3317772C4D}"/>
-              </a:ext>
-            </a:extLst>
-          </p:cNvPr>
-          <p:cNvSpPr>
-            <a:spLocks noGrp="1"/>
-          </p:cNvSpPr>
-          <p:nvPr>
-            <p:ph type="body" idx="1"/>
-          </p:nvPr>
-        </p:nvSpPr>
-        <p:spPr>
-          <a:xfrm>
-            <a:off x="118730" y="0"/>
-            <a:ext cx="845366" cy="6857999"/>
-          </a:xfrm>
-        </p:spPr>
-        <p:txBody>
-          <a:bodyPr vert="wordArtVert">
-            <a:noAutofit/>
-          </a:bodyPr>
-          <a:lstStyle/>
-          <a:p>
-            <a:pPr algn="ctr"/>
-            <a:r>
-              <a:rPr lang="es-ES_tradnl" sz="2700" dirty="0"/>
-              <a:t>Procedimiento</a:t>
-            </a:r>
-          </a:p>
-        </p:txBody>
-      </p:sp>
-    </p:spTree>
-    <p:extLst>
-      <p:ext uri="{BB962C8B-B14F-4D97-AF65-F5344CB8AC3E}">
-        <p14:creationId xmlns:p14="http://schemas.microsoft.com/office/powerpoint/2010/main" val="3594168609"/>
-      </p:ext>
-    </p:extLst>
-  </p:cSld>
-  <p:clrMapOvr>
-    <a:masterClrMapping/>
-  </p:clrMapOvr>
-</p:sld>
-</file>
-
-<file path=ppt/slides/slide6.xml><?xml version="1.0" encoding="utf-8"?>
-<p:sld xmlns:a="http://schemas.openxmlformats.org/drawingml/2006/main" xmlns:r="http://schemas.openxmlformats.org/officeDocument/2006/relationships" xmlns:p="http://schemas.openxmlformats.org/presentationml/2006/main">
-  <p:cSld>
-    <p:spTree>
-      <p:nvGrpSpPr>
-        <p:cNvPr id="1" name=""/>
-        <p:cNvGrpSpPr/>
-        <p:nvPr/>
-      </p:nvGrpSpPr>
-      <p:grpSpPr>
-        <a:xfrm>
-          <a:off x="0" y="0"/>
-          <a:ext cx="0" cy="0"/>
-          <a:chOff x="0" y="0"/>
-          <a:chExt cx="0" cy="0"/>
-        </a:xfrm>
-      </p:grpSpPr>
-      <p:sp>
-        <p:nvSpPr>
-          <p:cNvPr id="2" name="Title 1">
-            <a:extLst>
-              <a:ext uri="{FF2B5EF4-FFF2-40B4-BE49-F238E27FC236}">
-                <a16:creationId xmlns:a16="http://schemas.microsoft.com/office/drawing/2014/main" id="{B46D1804-5273-0449-AE04-C789D0C6B5B4}"/>
-              </a:ext>
-            </a:extLst>
-          </p:cNvPr>
-          <p:cNvSpPr>
-            <a:spLocks noGrp="1"/>
-          </p:cNvSpPr>
-          <p:nvPr>
-            <p:ph type="title"/>
-          </p:nvPr>
-        </p:nvSpPr>
-        <p:spPr>
-          <a:xfrm>
-            <a:off x="3242929" y="467140"/>
-            <a:ext cx="8187071" cy="5864086"/>
-          </a:xfrm>
-        </p:spPr>
-        <p:txBody>
-          <a:bodyPr anchor="ctr">
-            <a:normAutofit/>
-          </a:bodyPr>
-          <a:lstStyle/>
-          <a:p>
-            <a:pPr>
-              <a:lnSpc>
-                <a:spcPct val="200000"/>
-              </a:lnSpc>
-            </a:pPr>
-            <a:r>
-              <a:rPr lang="es-ES_tradnl" sz="2000" cap="none" spc="0" dirty="0">
-                <a:solidFill>
-                  <a:schemeClr val="tx1">
-                    <a:lumMod val="65000"/>
-                    <a:lumOff val="35000"/>
-                  </a:schemeClr>
-                </a:solidFill>
-                <a:latin typeface="+mn-lt"/>
-                <a:ea typeface="+mn-ea"/>
-                <a:cs typeface="+mn-cs"/>
-              </a:rPr>
-              <a:t>1.  </a:t>
+              <a:t>4.  </a:t>
             </a:r>
             <a:r>
               <a:rPr lang="es-ES_tradnl" sz="2000" cap="none" spc="0" dirty="0" err="1">
@@ -7931,172 +8161,7 @@
                 <a:ea typeface="+mn-ea"/>
                 <a:cs typeface="+mn-cs"/>
               </a:rPr>
-              <a:t>left</a:t>
-            </a:r>
-            <a:r>
-              <a:rPr lang="es-ES_tradnl" sz="2000" cap="none" spc="0" dirty="0">
-                <a:solidFill>
-                  <a:schemeClr val="tx1">
-                    <a:lumMod val="65000"/>
-                    <a:lumOff val="35000"/>
-                  </a:schemeClr>
-                </a:solidFill>
-                <a:latin typeface="+mn-lt"/>
-                <a:ea typeface="+mn-ea"/>
-                <a:cs typeface="+mn-cs"/>
-              </a:rPr>
-              <a:t>)</a:t>
-            </a:r>
-            <a:br>
-              <a:rPr lang="es-ES_tradnl" sz="2000" cap="none" spc="0" dirty="0">
-                <a:solidFill>
-                  <a:schemeClr val="tx1">
-                    <a:lumMod val="65000"/>
-                    <a:lumOff val="35000"/>
-                  </a:schemeClr>
-                </a:solidFill>
-                <a:latin typeface="+mn-lt"/>
-                <a:ea typeface="+mn-ea"/>
-                <a:cs typeface="+mn-cs"/>
-              </a:rPr>
-            </a:br>
-            <a:r>
-              <a:rPr lang="es-ES_tradnl" sz="2000" cap="none" spc="0" dirty="0">
-                <a:solidFill>
-                  <a:schemeClr val="tx1">
-                    <a:lumMod val="65000"/>
-                    <a:lumOff val="35000"/>
-                  </a:schemeClr>
-                </a:solidFill>
-                <a:latin typeface="+mn-lt"/>
-                <a:ea typeface="+mn-ea"/>
-                <a:cs typeface="+mn-cs"/>
-              </a:rPr>
-              <a:t>2.  </a:t>
-            </a:r>
-            <a:r>
-              <a:rPr lang="es-ES_tradnl" sz="2000" cap="none" spc="0" dirty="0" err="1">
-                <a:solidFill>
-                  <a:schemeClr val="tx1">
-                    <a:lumMod val="65000"/>
-                    <a:lumOff val="35000"/>
-                  </a:schemeClr>
-                </a:solidFill>
-                <a:latin typeface="+mn-lt"/>
-                <a:ea typeface="+mn-ea"/>
-                <a:cs typeface="+mn-cs"/>
-              </a:rPr>
-              <a:t>shift_bits</a:t>
-            </a:r>
-            <a:br>
-              <a:rPr lang="es-ES_tradnl" sz="2000" cap="none" spc="0" dirty="0">
-                <a:solidFill>
-                  <a:schemeClr val="tx1">
-                    <a:lumMod val="65000"/>
-                    <a:lumOff val="35000"/>
-                  </a:schemeClr>
-                </a:solidFill>
-                <a:latin typeface="+mn-lt"/>
-                <a:ea typeface="+mn-ea"/>
-                <a:cs typeface="+mn-cs"/>
-              </a:rPr>
-            </a:br>
-            <a:r>
-              <a:rPr lang="es-ES_tradnl" sz="2000" cap="none" spc="0" dirty="0">
-                <a:solidFill>
-                  <a:schemeClr val="tx1">
-                    <a:lumMod val="65000"/>
-                    <a:lumOff val="35000"/>
-                  </a:schemeClr>
-                </a:solidFill>
-                <a:latin typeface="+mn-lt"/>
-                <a:ea typeface="+mn-ea"/>
-                <a:cs typeface="+mn-cs"/>
-              </a:rPr>
-              <a:t>3.  </a:t>
-            </a:r>
-            <a:r>
-              <a:rPr lang="es-ES_tradnl" sz="2000" cap="none" spc="0" dirty="0" err="1">
-                <a:solidFill>
-                  <a:schemeClr val="tx1">
-                    <a:lumMod val="65000"/>
-                    <a:lumOff val="35000"/>
-                  </a:schemeClr>
-                </a:solidFill>
-                <a:latin typeface="+mn-lt"/>
-                <a:ea typeface="+mn-ea"/>
-                <a:cs typeface="+mn-cs"/>
-              </a:rPr>
-              <a:t>transpose</a:t>
-            </a:r>
-            <a:br>
-              <a:rPr lang="es-ES_tradnl" sz="2000" cap="none" spc="0" dirty="0">
-                <a:solidFill>
-                  <a:schemeClr val="tx1">
-                    <a:lumMod val="65000"/>
-                    <a:lumOff val="35000"/>
-                  </a:schemeClr>
-                </a:solidFill>
-                <a:latin typeface="+mn-lt"/>
-                <a:ea typeface="+mn-ea"/>
-                <a:cs typeface="+mn-cs"/>
-              </a:rPr>
-            </a:br>
-            <a:r>
-              <a:rPr lang="es-ES_tradnl" sz="2000" cap="none" spc="0" dirty="0">
-                <a:solidFill>
-                  <a:schemeClr val="tx1">
-                    <a:lumMod val="65000"/>
-                    <a:lumOff val="35000"/>
-                  </a:schemeClr>
-                </a:solidFill>
-                <a:latin typeface="+mn-lt"/>
-                <a:ea typeface="+mn-ea"/>
-                <a:cs typeface="+mn-cs"/>
-              </a:rPr>
-              <a:t>4.  </a:t>
-            </a:r>
-            <a:r>
-              <a:rPr lang="es-ES_tradnl" sz="2000" cap="none" spc="0" dirty="0" err="1">
-                <a:solidFill>
-                  <a:schemeClr val="tx1">
-                    <a:lumMod val="65000"/>
-                    <a:lumOff val="35000"/>
-                  </a:schemeClr>
-                </a:solidFill>
-                <a:latin typeface="+mn-lt"/>
-                <a:ea typeface="+mn-ea"/>
-                <a:cs typeface="+mn-cs"/>
-              </a:rPr>
-              <a:t>bit_operations</a:t>
-            </a:r>
-            <a:r>
-              <a:rPr lang="es-ES_tradnl" sz="2000" cap="none" spc="0" dirty="0">
-                <a:solidFill>
-                  <a:schemeClr val="tx1">
-                    <a:lumMod val="65000"/>
-                    <a:lumOff val="35000"/>
-                  </a:schemeClr>
-                </a:solidFill>
-                <a:latin typeface="+mn-lt"/>
-                <a:ea typeface="+mn-ea"/>
-                <a:cs typeface="+mn-cs"/>
-              </a:rPr>
-              <a:t> (XOR, </a:t>
-            </a:r>
-            <a:r>
-              <a:rPr lang="es-ES_tradnl" sz="2000" cap="none" spc="0" dirty="0" err="1">
-                <a:solidFill>
-                  <a:schemeClr val="tx1">
-                    <a:lumMod val="65000"/>
-                    <a:lumOff val="35000"/>
-                  </a:schemeClr>
-                </a:solidFill>
-                <a:latin typeface="+mn-lt"/>
-                <a:ea typeface="+mn-ea"/>
-                <a:cs typeface="+mn-cs"/>
-              </a:rPr>
-              <a:t>not</a:t>
+              <a:t>right</a:t>
             </a:r>
             <a:r>
               <a:rPr lang="es-ES_tradnl" sz="2000" cap="none" spc="0" dirty="0">
@@ -8388,8 +8453,8 @@
           <a:p>
             <a:pPr algn="ctr"/>
             <a:r>
-              <a:rPr lang="es-ES_tradnl" sz="2700" dirty="0"/>
-              <a:t>cifrado</a:t>
+              <a:rPr lang="es-ES_tradnl" sz="2600" dirty="0"/>
+              <a:t>descifrado</a:t>
             </a:r>
           </a:p>
         </p:txBody>
@@ -8397,7 +8462,244 @@
     </p:spTree>
     <p:extLst>
       <p:ext uri="{BB962C8B-B14F-4D97-AF65-F5344CB8AC3E}">
-        <p14:creationId xmlns:p14="http://schemas.microsoft.com/office/powerpoint/2010/main" val="4178374228"/>
+        <p14:creationId xmlns:p14="http://schemas.microsoft.com/office/powerpoint/2010/main" val="3849683729"/>
+      </p:ext>
+    </p:extLst>
+  </p:cSld>
+  <p:clrMapOvr>
+    <a:masterClrMapping/>
+  </p:clrMapOvr>
+</p:sld>
+</file>
+
+<file path=ppt/slides/slide6.xml><?xml version="1.0" encoding="utf-8"?>
+<p:sld xmlns:a="http://schemas.openxmlformats.org/drawingml/2006/main" xmlns:r="http://schemas.openxmlformats.org/officeDocument/2006/relationships" xmlns:p="http://schemas.openxmlformats.org/presentationml/2006/main">
+  <p:cSld>
+    <p:spTree>
+      <p:nvGrpSpPr>
+        <p:cNvPr id="1" name=""/>
+        <p:cNvGrpSpPr/>
+        <p:nvPr/>
+      </p:nvGrpSpPr>
+      <p:grpSpPr>
+        <a:xfrm>
+          <a:off x="0" y="0"/>
+          <a:ext cx="0" cy="0"/>
+          <a:chOff x="0" y="0"/>
+          <a:chExt cx="0" cy="0"/>
+        </a:xfrm>
+      </p:grpSpPr>
+      <p:sp>
+        <p:nvSpPr>
+          <p:cNvPr id="2" name="Title 1">
+            <a:extLst>
+              <a:ext uri="{FF2B5EF4-FFF2-40B4-BE49-F238E27FC236}">
+                <a16:creationId xmlns:a16="http://schemas.microsoft.com/office/drawing/2014/main" id="{46BBF502-1E51-C44E-B7AE-02168C13D46D}"/>
+              </a:ext>
+            </a:extLst>
+          </p:cNvPr>
+          <p:cNvSpPr>
+            <a:spLocks noGrp="1"/>
+          </p:cNvSpPr>
+          <p:nvPr>
+            <p:ph type="title"/>
+          </p:nvPr>
+        </p:nvSpPr>
+        <p:spPr/>
+        <p:txBody>
+          <a:bodyPr/>
+          <a:lstStyle/>
+          <a:p>
+            <a:r>
+              <a:rPr lang="es-ES_tradnl" dirty="0"/>
+              <a:t>Llave</a:t>
+            </a:r>
+          </a:p>
+        </p:txBody>
+      </p:sp>
+      <p:sp>
+        <p:nvSpPr>
+          <p:cNvPr id="3" name="Content Placeholder 2">
+            <a:extLst>
+              <a:ext uri="{FF2B5EF4-FFF2-40B4-BE49-F238E27FC236}">
+                <a16:creationId xmlns:a16="http://schemas.microsoft.com/office/drawing/2014/main" id="{95515B0F-D142-834E-AAF4-62ED6212F79C}"/>
+              </a:ext>
+            </a:extLst>
+          </p:cNvPr>
+          <p:cNvSpPr>
+            <a:spLocks noGrp="1"/>
+          </p:cNvSpPr>
+          <p:nvPr>
+            <p:ph idx="1"/>
+          </p:nvPr>
+        </p:nvSpPr>
+        <p:spPr>
+          <a:xfrm>
+            <a:off x="1251678" y="1272209"/>
+            <a:ext cx="10178322" cy="5203406"/>
+          </a:xfrm>
+        </p:spPr>
+        <p:txBody>
+          <a:bodyPr>
+            <a:normAutofit fontScale="92500" lnSpcReduction="20000"/>
+          </a:bodyPr>
+          <a:lstStyle/>
+          <a:p>
+            <a:r>
+              <a:rPr lang="es-ES_tradnl" dirty="0"/>
+              <a:t>Llave de máximo 20 caracteres para cifrar texto de máximo 100 caracteres.</a:t>
+            </a:r>
+          </a:p>
+          <a:p>
+            <a:r>
+              <a:rPr lang="es-ES_tradnl" dirty="0"/>
+              <a:t>Para que el algoritmo sea más seguro, la llave debe de ser mínimo de 100 caracteres.</a:t>
+            </a:r>
+          </a:p>
+          <a:p>
+            <a:r>
+              <a:rPr lang="es-ES_tradnl" dirty="0"/>
+              <a:t>Se coloca la clave en una matriz de 10 x 10 caracteres.</a:t>
+            </a:r>
+          </a:p>
+          <a:p>
+            <a:r>
+              <a:rPr lang="es-ES_tradnl" dirty="0"/>
+              <a:t>En el espacio que sobra se vuelve a copiar la clave, pero se le suma a cada </a:t>
+            </a:r>
+            <a:r>
+              <a:rPr lang="es-ES_tradnl" dirty="0" err="1"/>
+              <a:t>caracter</a:t>
+            </a:r>
+            <a:r>
+              <a:rPr lang="es-ES_tradnl" dirty="0"/>
+              <a:t> el número de veces que se ha repetido la clave (esta vez 1) y el índice del carácter de la clave.</a:t>
+            </a:r>
+          </a:p>
+          <a:p>
+            <a:r>
+              <a:rPr lang="es-ES_tradnl" dirty="0"/>
+              <a:t>Posteriormente se repite el proceso ahora copiando la llave ya mutada y aumentándole 1 al número de repeticiones.</a:t>
+            </a:r>
+          </a:p>
+          <a:p>
+            <a:pPr marL="0" indent="0">
+              <a:buNone/>
+            </a:pPr>
+            <a:r>
+              <a:rPr lang="es-ES_tradnl" b="1" dirty="0"/>
+              <a:t>Ej</a:t>
+            </a:r>
+            <a:r>
+              <a:rPr lang="es-ES_tradnl" dirty="0"/>
+              <a:t>.</a:t>
+            </a:r>
+          </a:p>
+          <a:p>
+            <a:pPr marL="0" indent="0">
+              <a:buNone/>
+            </a:pPr>
+            <a:r>
+              <a:rPr lang="es-ES_tradnl" b="1" dirty="0"/>
+              <a:t>Clave</a:t>
+            </a:r>
+            <a:r>
+              <a:rPr lang="es-ES_tradnl" dirty="0"/>
+              <a:t>: hola</a:t>
+            </a:r>
+          </a:p>
+          <a:p>
+            <a:pPr marL="0" indent="0">
+              <a:buNone/>
+            </a:pPr>
+            <a:r>
+              <a:rPr lang="es-ES_tradnl" b="1" dirty="0"/>
+              <a:t>Repetición</a:t>
+            </a:r>
+            <a:r>
+              <a:rPr lang="es-ES_tradnl" dirty="0"/>
+              <a:t> </a:t>
+            </a:r>
+            <a:r>
+              <a:rPr lang="es-ES_tradnl" b="1" dirty="0"/>
+              <a:t>1</a:t>
+            </a:r>
+            <a:r>
+              <a:rPr lang="es-ES_tradnl" dirty="0"/>
+              <a:t>: 	h+1+0 = i	o+1+1 = q	l+1+2 = o	a+1+3 = e</a:t>
+            </a:r>
+          </a:p>
+          <a:p>
+            <a:pPr marL="0" indent="0">
+              <a:buNone/>
+            </a:pPr>
+            <a:r>
+              <a:rPr lang="es-ES_tradnl" dirty="0"/>
+              <a:t>→	</a:t>
+            </a:r>
+            <a:r>
+              <a:rPr lang="es-ES_tradnl" dirty="0" err="1"/>
+              <a:t>iqoe</a:t>
+            </a:r>
+            <a:endParaRPr lang="es-ES_tradnl" dirty="0"/>
+          </a:p>
+          <a:p>
+            <a:pPr marL="0" indent="0">
+              <a:buNone/>
+            </a:pPr>
+            <a:r>
+              <a:rPr lang="es-ES_tradnl" b="1" dirty="0"/>
+              <a:t>Repetición 2</a:t>
+            </a:r>
+            <a:r>
+              <a:rPr lang="es-ES_tradnl" dirty="0"/>
+              <a:t>: 	i+2+0 = k	q+2+1 = t	o+2+2 = s	e+2+3 = j</a:t>
+            </a:r>
+          </a:p>
+          <a:p>
+            <a:pPr marL="0" indent="0">
+              <a:buNone/>
+            </a:pPr>
+            <a:r>
+              <a:rPr lang="es-ES_tradnl" dirty="0"/>
+              <a:t>→	</a:t>
+            </a:r>
+            <a:r>
+              <a:rPr lang="es-ES_tradnl" dirty="0" err="1"/>
+              <a:t>ktsj</a:t>
+            </a:r>
+            <a:endParaRPr lang="es-ES_tradnl" dirty="0"/>
+          </a:p>
+          <a:p>
+            <a:pPr marL="0" indent="0">
+              <a:buNone/>
+            </a:pPr>
+            <a:endParaRPr lang="es-ES_tradnl" dirty="0"/>
+          </a:p>
+          <a:p>
+            <a:pPr marL="0" indent="0">
+              <a:buNone/>
+            </a:pPr>
+            <a:r>
+              <a:rPr lang="es-ES_tradnl" b="1" dirty="0"/>
+              <a:t>Clave resultante</a:t>
+            </a:r>
+            <a:r>
+              <a:rPr lang="es-ES_tradnl" dirty="0"/>
+              <a:t>: </a:t>
+            </a:r>
+            <a:r>
+              <a:rPr lang="es-ES_tradnl" dirty="0" err="1"/>
+              <a:t>holaiqoektsj</a:t>
+            </a:r>
+            <a:endParaRPr lang="es-ES_tradnl" dirty="0"/>
+          </a:p>
+        </p:txBody>
+      </p:sp>
+    </p:spTree>
+    <p:extLst>
+      <p:ext uri="{BB962C8B-B14F-4D97-AF65-F5344CB8AC3E}">
+        <p14:creationId xmlns:p14="http://schemas.microsoft.com/office/powerpoint/2010/main" val="2180877618"/>
       </p:ext>
     </p:extLst>
   </p:cSld>
@@ -8448,7 +8750,7 @@
         </p:spPr>
         <p:txBody>
           <a:bodyPr anchor="ctr">
-            <a:normAutofit/>
+            <a:normAutofit fontScale="90000"/>
           </a:bodyPr>
           <a:lstStyle/>
           <a:p>
@@ -8469,63 +8771,7 @@
                 <a:ea typeface="+mn-ea"/>
                 <a:cs typeface="+mn-cs"/>
               </a:rPr>
-              <a:t>1.  </a:t>
-            </a:r>
-            <a:r>
-              <a:rPr lang="es-ES_tradnl" sz="2000" cap="none" spc="0" dirty="0" err="1">
-                <a:solidFill>
-                  <a:schemeClr val="tx1">
-                    <a:lumMod val="65000"/>
-                    <a:lumOff val="35000"/>
-                  </a:schemeClr>
-                </a:solidFill>
-                <a:latin typeface="+mn-lt"/>
-                <a:ea typeface="+mn-ea"/>
-                <a:cs typeface="+mn-cs"/>
-              </a:rPr>
-              <a:t>bit_operations</a:t>
-            </a:r>
-            <a:r>
-              <a:rPr lang="es-ES_tradnl" sz="2000" cap="none" spc="0" dirty="0">
-                <a:solidFill>
-                  <a:schemeClr val="tx1">
-                    <a:lumMod val="65000"/>
-                    <a:lumOff val="35000"/>
-                  </a:schemeClr>
-                </a:solidFill>
-                <a:latin typeface="+mn-lt"/>
-                <a:ea typeface="+mn-ea"/>
-                <a:cs typeface="+mn-cs"/>
-              </a:rPr>
-              <a:t> (</a:t>
-            </a:r>
-            <a:r>
-              <a:rPr lang="es-ES_tradnl" sz="2000" cap="none" spc="0" dirty="0" err="1">
-                <a:solidFill>
-                  <a:schemeClr val="tx1">
-                    <a:lumMod val="65000"/>
-                    <a:lumOff val="35000"/>
-                  </a:schemeClr>
-                </a:solidFill>
-                <a:latin typeface="+mn-lt"/>
-                <a:ea typeface="+mn-ea"/>
-                <a:cs typeface="+mn-cs"/>
-              </a:rPr>
-              <a:t>not</a:t>
-            </a:r>
-            <a:r>
-              <a:rPr lang="es-ES_tradnl" sz="2000" cap="none" spc="0" dirty="0">
-                <a:solidFill>
-                  <a:schemeClr val="tx1">
-                    <a:lumMod val="65000"/>
-                    <a:lumOff val="35000"/>
-                  </a:schemeClr>
-                </a:solidFill>
-                <a:latin typeface="+mn-lt"/>
-                <a:ea typeface="+mn-ea"/>
-                <a:cs typeface="+mn-cs"/>
-              </a:rPr>
-              <a:t>, XOR)</a:t>
+              <a:t>1.  Elegir si se quiere cifrar o descifrar.</a:t>
             </a:r>
             <a:br>
               <a:rPr lang="es-ES_tradnl" sz="2000" cap="none" spc="0" dirty="0">
@@ -8552,21 +8798,7 @@
                 <a:ea typeface="+mn-ea"/>
                 <a:cs typeface="+mn-cs"/>
               </a:rPr>
-              <a:t>2.  </a:t>
-            </a:r>
-            <a:r>
-              <a:rPr lang="es-ES_tradnl" sz="2000" cap="none" spc="0" dirty="0" err="1">
-                <a:solidFill>
-                  <a:schemeClr val="tx1">
-                    <a:lumMod val="65000"/>
-                    <a:lumOff val="35000"/>
-                  </a:schemeClr>
-                </a:solidFill>
-                <a:latin typeface="+mn-lt"/>
-                <a:ea typeface="+mn-ea"/>
-                <a:cs typeface="+mn-cs"/>
-              </a:rPr>
-              <a:t>transpose</a:t>
+              <a:t>2.  Ingresar el nombre del archivo con el texto a cifrar/descifrar.</a:t>
             </a:r>
             <a:br>
               <a:rPr lang="es-ES_tradnl" sz="2000" cap="none" spc="0" dirty="0">
@@ -8593,7 +8825,7 @@
                 <a:ea typeface="+mn-ea"/>
                 <a:cs typeface="+mn-cs"/>
               </a:rPr>
-              <a:t>3.  </a:t>
+              <a:t>3.  Leer el texto a cifrar y colocarlo en una matriz de 10 x 10 </a:t>
             </a:r>
             <a:r>
               <a:rPr lang="es-ES_tradnl" sz="2000" cap="none" spc="0" dirty="0" err="1">
@@ -8607,7 +8839,21 @@
                 <a:ea typeface="+mn-ea"/>
                 <a:cs typeface="+mn-cs"/>
               </a:rPr>
-              <a:t>shift_bits</a:t>
+              <a:t>uchars</a:t>
+            </a:r>
+            <a:r>
+              <a:rPr lang="es-ES_tradnl" sz="2000" cap="none" spc="0" dirty="0">
+                <a:solidFill>
+                  <a:schemeClr val="tx1">
+                    <a:lumMod val="65000"/>
+                    <a:lumOff val="35000"/>
+                  </a:schemeClr>
+                </a:solidFill>
+                <a:latin typeface="+mn-lt"/>
+                <a:ea typeface="+mn-ea"/>
+                <a:cs typeface="+mn-cs"/>
+              </a:rPr>
+              <a:t>.</a:t>
             </a:r>
             <a:br>
               <a:rPr lang="es-ES_tradnl" sz="2000" cap="none" spc="0" dirty="0">
@@ -8634,10 +8880,10 @@
                 <a:ea typeface="+mn-ea"/>
                 <a:cs typeface="+mn-cs"/>
               </a:rPr>
-              <a:t>4.  </a:t>
-            </a:r>
-            <a:r>
-              <a:rPr lang="es-ES_tradnl" sz="2000" cap="none" spc="0" dirty="0" err="1">
+              <a:t>4.  Llenar el espacio que sobra con caracteres nulos (ASCII 0)</a:t>
+            </a:r>
+            <a:br>
+              <a:rPr lang="es-ES_tradnl" sz="2000" cap="none" spc="0" dirty="0">
                 <a:solidFill>
                   <a:schemeClr val="tx1">
                     <a:lumMod val="65000"/>
@@ -8648,8 +8894,7 @@
                 <a:ea typeface="+mn-ea"/>
                 <a:cs typeface="+mn-cs"/>
               </a:rPr>
-              <a:t>shift_rows</a:t>
-            </a:r>
+            </a:br>
             <a:r>
               <a:rPr lang="es-ES_tradnl" sz="2000" cap="none" spc="0" dirty="0">
                 <a:solidFill>
@@ -8662,10 +8907,10 @@
                 <a:ea typeface="+mn-ea"/>
                 <a:cs typeface="+mn-cs"/>
               </a:rPr>
-              <a:t> (</a:t>
-            </a:r>
-            <a:r>
-              <a:rPr lang="es-ES_tradnl" sz="2000" cap="none" spc="0" dirty="0" err="1">
+              <a:t>3.  Ingresar la llave/clave.</a:t>
+            </a:r>
+            <a:br>
+              <a:rPr lang="es-ES_tradnl" sz="2000" cap="none" spc="0" dirty="0">
                 <a:solidFill>
                   <a:schemeClr val="tx1">
                     <a:lumMod val="65000"/>
@@ -8676,8 +8921,7 @@
                 <a:ea typeface="+mn-ea"/>
                 <a:cs typeface="+mn-cs"/>
               </a:rPr>
-              <a:t>right</a:t>
-            </a:r>
+            </a:br>
             <a:r>
               <a:rPr lang="es-ES_tradnl" sz="2000" cap="none" spc="0" dirty="0">
                 <a:solidFill>
@@ -8690,7 +8934,116 @@
                 <a:ea typeface="+mn-ea"/>
                 <a:cs typeface="+mn-cs"/>
               </a:rPr>
-              <a:t>)</a:t>
+              <a:t>4.  Mutar la llave e irla poniendo en una matriz de 10 x 10 </a:t>
+            </a:r>
+            <a:r>
+              <a:rPr lang="es-ES_tradnl" sz="2000" cap="none" spc="0" dirty="0" err="1">
+                <a:solidFill>
+                  <a:schemeClr val="tx1">
+                    <a:lumMod val="65000"/>
+                    <a:lumOff val="35000"/>
+                  </a:schemeClr>
+                </a:solidFill>
+                <a:latin typeface="+mn-lt"/>
+                <a:ea typeface="+mn-ea"/>
+                <a:cs typeface="+mn-cs"/>
+              </a:rPr>
+              <a:t>uchars</a:t>
+            </a:r>
+            <a:r>
+              <a:rPr lang="es-ES_tradnl" sz="2000" cap="none" spc="0" dirty="0">
+                <a:solidFill>
+                  <a:schemeClr val="tx1">
+                    <a:lumMod val="65000"/>
+                    <a:lumOff val="35000"/>
+                  </a:schemeClr>
+                </a:solidFill>
+                <a:latin typeface="+mn-lt"/>
+                <a:ea typeface="+mn-ea"/>
+                <a:cs typeface="+mn-cs"/>
+              </a:rPr>
+              <a:t> hasta llenarla.</a:t>
+            </a:r>
+            <a:br>
+              <a:rPr lang="es-ES_tradnl" sz="2000" cap="none" spc="0" dirty="0">
+                <a:solidFill>
+                  <a:schemeClr val="tx1">
+                    <a:lumMod val="65000"/>
+                    <a:lumOff val="35000"/>
+                  </a:schemeClr>
+                </a:solidFill>
+                <a:latin typeface="+mn-lt"/>
+                <a:ea typeface="+mn-ea"/>
+                <a:cs typeface="+mn-cs"/>
+              </a:rPr>
+            </a:br>
+            <a:r>
+              <a:rPr lang="es-ES_tradnl" sz="2000" cap="none" spc="0" dirty="0">
+                <a:solidFill>
+                  <a:schemeClr val="tx1">
+                    <a:lumMod val="65000"/>
+                    <a:lumOff val="35000"/>
+                  </a:schemeClr>
+                </a:solidFill>
+                <a:latin typeface="+mn-lt"/>
+                <a:ea typeface="+mn-ea"/>
+                <a:cs typeface="+mn-cs"/>
+              </a:rPr>
+              <a:t>5.  Cifrar/descifrar.</a:t>
+            </a:r>
+            <a:br>
+              <a:rPr lang="es-ES_tradnl" sz="2000" cap="none" spc="0" dirty="0">
+                <a:solidFill>
+                  <a:schemeClr val="tx1">
+                    <a:lumMod val="65000"/>
+                    <a:lumOff val="35000"/>
+                  </a:schemeClr>
+                </a:solidFill>
+                <a:latin typeface="+mn-lt"/>
+                <a:ea typeface="+mn-ea"/>
+                <a:cs typeface="+mn-cs"/>
+              </a:rPr>
+            </a:br>
+            <a:r>
+              <a:rPr lang="es-ES_tradnl" sz="2000" cap="none" spc="0" dirty="0">
+                <a:solidFill>
+                  <a:schemeClr val="tx1">
+                    <a:lumMod val="65000"/>
+                    <a:lumOff val="35000"/>
+                  </a:schemeClr>
+                </a:solidFill>
+                <a:latin typeface="+mn-lt"/>
+                <a:ea typeface="+mn-ea"/>
+                <a:cs typeface="+mn-cs"/>
+              </a:rPr>
+              <a:t>6.  Imprimir el mensaje cifrado/descifrado.</a:t>
+            </a:r>
+            <a:br>
+              <a:rPr lang="es-ES_tradnl" sz="2000" cap="none" spc="0" dirty="0">
+                <a:solidFill>
+                  <a:schemeClr val="tx1">
+                    <a:lumMod val="65000"/>
+                    <a:lumOff val="35000"/>
+                  </a:schemeClr>
+                </a:solidFill>
+                <a:latin typeface="+mn-lt"/>
+                <a:ea typeface="+mn-ea"/>
+                <a:cs typeface="+mn-cs"/>
+              </a:rPr>
+            </a:br>
+            <a:r>
+              <a:rPr lang="es-ES_tradnl" sz="2000" cap="none" spc="0" dirty="0">
+                <a:solidFill>
+                  <a:schemeClr val="tx1">
+                    <a:lumMod val="65000"/>
+                    <a:lumOff val="35000"/>
+                  </a:schemeClr>
+                </a:solidFill>
+                <a:latin typeface="+mn-lt"/>
+                <a:ea typeface="+mn-ea"/>
+                <a:cs typeface="+mn-cs"/>
+              </a:rPr>
+              <a:t>7.  Escribir el mensaje en un archivo.</a:t>
             </a:r>
           </a:p>
         </p:txBody>
@@ -8731,253 +9084,10 @@
           </a:p>
         </p:txBody>
       </p:sp>
-      <p:sp>
-        <p:nvSpPr>
-          <p:cNvPr id="4" name="Text Placeholder 2">
-            <a:extLst>
-              <a:ext uri="{FF2B5EF4-FFF2-40B4-BE49-F238E27FC236}">
-                <a16:creationId xmlns:a16="http://schemas.microsoft.com/office/drawing/2014/main" id="{15754AED-572A-5548-B83D-5D9873F93B6A}"/>
-              </a:ext>
-            </a:extLst>
-          </p:cNvPr>
-          <p:cNvSpPr txBox="1">
-            <a:spLocks/>
-          </p:cNvSpPr>
-          <p:nvPr/>
-        </p:nvSpPr>
-        <p:spPr>
-          <a:xfrm>
-            <a:off x="762000" y="-29817"/>
-            <a:ext cx="845366" cy="6857999"/>
-          </a:xfrm>
-          <a:prstGeom prst="rect">
-            <a:avLst/>
-          </a:prstGeom>
-        </p:spPr>
-        <p:txBody>
-          <a:bodyPr vert="wordArtVert" lIns="91440" tIns="45720" rIns="91440" bIns="45720" rtlCol="0">
-            <a:noAutofit/>
-          </a:bodyPr>
-          <a:lstStyle>
-            <a:lvl1pPr marL="0" indent="0" algn="l" defTabSz="914400" rtl="0" eaLnBrk="1" latinLnBrk="0" hangingPunct="1">
-              <a:lnSpc>
-                <a:spcPct val="100000"/>
-              </a:lnSpc>
-              <a:spcBef>
-                <a:spcPts val="700"/>
-              </a:spcBef>
-              <a:buClr>
-                <a:schemeClr val="tx2"/>
-              </a:buClr>
-              <a:buFont typeface="Arial" panose="020B0604020202020204" pitchFamily="34" charset="0"/>
-              <a:buNone/>
-              <a:defRPr sz="2000" b="1" i="0" kern="1200" cap="all" spc="400" baseline="0">
-                <a:solidFill>
-                  <a:schemeClr val="accent1"/>
-                </a:solidFill>
-                <a:latin typeface="+mn-lt"/>
-                <a:ea typeface="+mn-ea"/>
-                <a:cs typeface="+mn-cs"/>
-              </a:defRPr>
-            </a:lvl1pPr>
-            <a:lvl2pPr marL="457200" indent="0" algn="l" defTabSz="914400" rtl="0" eaLnBrk="1" latinLnBrk="0" hangingPunct="1">
-              <a:lnSpc>
-                <a:spcPct val="110000"/>
-              </a:lnSpc>
-              <a:spcBef>
-                <a:spcPts val="700"/>
-              </a:spcBef>
-              <a:buClr>
-                <a:schemeClr val="tx2"/>
-              </a:buClr>
-              <a:buFont typeface="Gill Sans MT" panose="020B0502020104020203" pitchFamily="34" charset="0"/>
-              <a:buNone/>
-              <a:defRPr sz="2000" kern="1200">
-                <a:solidFill>
-                  <a:schemeClr val="tx1">
-                    <a:tint val="75000"/>
-                  </a:schemeClr>
-                </a:solidFill>
-                <a:latin typeface="+mn-lt"/>
-                <a:ea typeface="+mn-ea"/>
-                <a:cs typeface="+mn-cs"/>
-              </a:defRPr>
-            </a:lvl2pPr>
-            <a:lvl3pPr marL="914400" indent="0" algn="l" defTabSz="914400" rtl="0" eaLnBrk="1" latinLnBrk="0" hangingPunct="1">
-              <a:lnSpc>
-                <a:spcPct val="110000"/>
-              </a:lnSpc>
-              <a:spcBef>
-                <a:spcPts val="700"/>
-              </a:spcBef>
-              <a:buClr>
-                <a:schemeClr val="tx2"/>
-              </a:buClr>
-              <a:buFont typeface="Arial" panose="020B0604020202020204" pitchFamily="34" charset="0"/>
-              <a:buNone/>
-              <a:defRPr sz="1800" kern="1200">
-                <a:solidFill>
-                  <a:schemeClr val="tx1">
-                    <a:tint val="75000"/>
-                  </a:schemeClr>
-                </a:solidFill>
-                <a:latin typeface="+mn-lt"/>
-                <a:ea typeface="+mn-ea"/>
-                <a:cs typeface="+mn-cs"/>
-              </a:defRPr>
-            </a:lvl3pPr>
-            <a:lvl4pPr marL="1371600" indent="0" algn="l" defTabSz="914400" rtl="0" eaLnBrk="1" latinLnBrk="0" hangingPunct="1">
-              <a:lnSpc>
-                <a:spcPct val="110000"/>
-              </a:lnSpc>
-              <a:spcBef>
-                <a:spcPts val="700"/>
-              </a:spcBef>
-              <a:buClr>
-                <a:schemeClr val="tx2"/>
-              </a:buClr>
-              <a:buFont typeface="Gill Sans MT" panose="020B0502020104020203" pitchFamily="34" charset="0"/>
-              <a:buNone/>
-              <a:defRPr sz="1600" kern="1200">
-                <a:solidFill>
-                  <a:schemeClr val="tx1">
-                    <a:tint val="75000"/>
-                  </a:schemeClr>
-                </a:solidFill>
-                <a:latin typeface="+mn-lt"/>
-                <a:ea typeface="+mn-ea"/>
-                <a:cs typeface="+mn-cs"/>
-              </a:defRPr>
-            </a:lvl4pPr>
-            <a:lvl5pPr marL="1828800" indent="0" algn="l" defTabSz="914400" rtl="0" eaLnBrk="1" latinLnBrk="0" hangingPunct="1">
-              <a:lnSpc>
-                <a:spcPct val="110000"/>
-              </a:lnSpc>
-              <a:spcBef>
-                <a:spcPts val="700"/>
-              </a:spcBef>
-              <a:buClr>
-                <a:schemeClr val="tx2"/>
-              </a:buClr>
-              <a:buFont typeface="Arial" panose="020B0604020202020204" pitchFamily="34" charset="0"/>
-              <a:buNone/>
-              <a:defRPr sz="1600" kern="1200">
-                <a:solidFill>
-                  <a:schemeClr val="tx1">
-                    <a:tint val="75000"/>
-                  </a:schemeClr>
-                </a:solidFill>
-                <a:latin typeface="+mn-lt"/>
-                <a:ea typeface="+mn-ea"/>
-                <a:cs typeface="+mn-cs"/>
-              </a:defRPr>
-            </a:lvl5pPr>
-            <a:lvl6pPr marL="2286000" indent="0" algn="l" defTabSz="914400" rtl="0" eaLnBrk="1" latinLnBrk="0" hangingPunct="1">
-              <a:lnSpc>
-                <a:spcPct val="110000"/>
-              </a:lnSpc>
-              <a:spcBef>
-                <a:spcPts val="700"/>
-              </a:spcBef>
-              <a:buClr>
-                <a:schemeClr val="tx2"/>
-              </a:buClr>
-              <a:buFont typeface="Gill Sans MT" panose="020B0502020104020203" pitchFamily="34" charset="0"/>
-              <a:buNone/>
-              <a:defRPr sz="1600" kern="1200">
-                <a:solidFill>
-                  <a:schemeClr val="tx1">
-                    <a:tint val="75000"/>
-                  </a:schemeClr>
-                </a:solidFill>
-                <a:latin typeface="+mn-lt"/>
-                <a:ea typeface="+mn-ea"/>
-                <a:cs typeface="+mn-cs"/>
-              </a:defRPr>
-            </a:lvl6pPr>
-            <a:lvl7pPr marL="2743200" indent="0" algn="l" defTabSz="914400" rtl="0" eaLnBrk="1" latinLnBrk="0" hangingPunct="1">
-              <a:lnSpc>
-                <a:spcPct val="110000"/>
-              </a:lnSpc>
-              <a:spcBef>
-                <a:spcPts val="700"/>
-              </a:spcBef>
-              <a:buClr>
-                <a:schemeClr val="tx2"/>
-              </a:buClr>
-              <a:buFont typeface="Arial" panose="020B0604020202020204" pitchFamily="34" charset="0"/>
-              <a:buNone/>
-              <a:defRPr sz="1600" kern="1200">
-                <a:solidFill>
-                  <a:schemeClr val="tx1">
-                    <a:tint val="75000"/>
-                  </a:schemeClr>
-                </a:solidFill>
-                <a:latin typeface="+mn-lt"/>
-                <a:ea typeface="+mn-ea"/>
-                <a:cs typeface="+mn-cs"/>
-              </a:defRPr>
-            </a:lvl7pPr>
-            <a:lvl8pPr marL="3200400" indent="0" algn="l" defTabSz="914400" rtl="0" eaLnBrk="1" latinLnBrk="0" hangingPunct="1">
-              <a:lnSpc>
-                <a:spcPct val="110000"/>
-              </a:lnSpc>
-              <a:spcBef>
-                <a:spcPts val="700"/>
-              </a:spcBef>
-              <a:buClr>
-                <a:schemeClr val="tx2"/>
-              </a:buClr>
-              <a:buFont typeface="Gill Sans MT" panose="020B0502020104020203" pitchFamily="34" charset="0"/>
-              <a:buNone/>
-              <a:defRPr sz="1600" kern="1200" baseline="0">
-                <a:solidFill>
-                  <a:schemeClr val="tx1">
-                    <a:tint val="75000"/>
-                  </a:schemeClr>
-                </a:solidFill>
-                <a:latin typeface="+mn-lt"/>
-                <a:ea typeface="+mn-ea"/>
-                <a:cs typeface="+mn-cs"/>
-              </a:defRPr>
-            </a:lvl8pPr>
-            <a:lvl9pPr marL="3657600" indent="0" algn="l" defTabSz="914400" rtl="0" eaLnBrk="1" latinLnBrk="0" hangingPunct="1">
-              <a:lnSpc>
-                <a:spcPct val="110000"/>
-              </a:lnSpc>
-              <a:spcBef>
-                <a:spcPts val="700"/>
-              </a:spcBef>
-              <a:buClr>
-                <a:schemeClr val="tx2"/>
-              </a:buClr>
-              <a:buFont typeface="Arial" panose="020B0604020202020204" pitchFamily="34" charset="0"/>
-              <a:buNone/>
-              <a:defRPr sz="1600" kern="1200" baseline="0">
-                <a:solidFill>
-                  <a:schemeClr val="tx1">
-                    <a:tint val="75000"/>
-                  </a:schemeClr>
-                </a:solidFill>
-                <a:latin typeface="+mn-lt"/>
-                <a:ea typeface="+mn-ea"/>
-                <a:cs typeface="+mn-cs"/>
-              </a:defRPr>
-            </a:lvl9pPr>
-          </a:lstStyle>
-          <a:p>
-            <a:pPr algn="ctr"/>
-            <a:r>
-              <a:rPr lang="es-ES_tradnl" sz="2600" dirty="0"/>
-              <a:t>descifrado</a:t>
-            </a:r>
-          </a:p>
-        </p:txBody>
-      </p:sp>
     </p:spTree>
     <p:extLst>
       <p:ext uri="{BB962C8B-B14F-4D97-AF65-F5344CB8AC3E}">
-        <p14:creationId xmlns:p14="http://schemas.microsoft.com/office/powerpoint/2010/main" val="3849683729"/>
+        <p14:creationId xmlns:p14="http://schemas.microsoft.com/office/powerpoint/2010/main" val="3594168609"/>
       </p:ext>
     </p:extLst>
   </p:cSld>

--- a/algoritmo.pptx
+++ b/algoritmo.pptx
@@ -8,10 +8,11 @@
     <p:sldId id="256" r:id="rId2"/>
     <p:sldId id="257" r:id="rId3"/>
     <p:sldId id="258" r:id="rId4"/>
-    <p:sldId id="261" r:id="rId5"/>
-    <p:sldId id="262" r:id="rId6"/>
-    <p:sldId id="260" r:id="rId7"/>
-    <p:sldId id="259" r:id="rId8"/>
+    <p:sldId id="263" r:id="rId5"/>
+    <p:sldId id="261" r:id="rId6"/>
+    <p:sldId id="262" r:id="rId7"/>
+    <p:sldId id="260" r:id="rId8"/>
+    <p:sldId id="259" r:id="rId9"/>
   </p:sldIdLst>
   <p:sldSz cx="12192000" cy="6858000"/>
   <p:notesSz cx="6858000" cy="9144000"/>
@@ -110,6 +111,11 @@
       </a:defRPr>
     </a:lvl9pPr>
   </p:defaultTextStyle>
+  <p:extLst>
+    <p:ext uri="{EFAFB233-063F-42B5-8137-9DF3F51BA10A}">
+      <p15:sldGuideLst xmlns:p15="http://schemas.microsoft.com/office/powerpoint/2012/main"/>
+    </p:ext>
+  </p:extLst>
 </p:presentation>
 </file>
 
@@ -7128,7 +7134,7 @@
           <a:p>
             <a:r>
               <a:rPr lang="es-ES_tradnl" dirty="0"/>
-              <a:t>Confusión</a:t>
+              <a:t>Difusión</a:t>
             </a:r>
           </a:p>
         </p:txBody>
@@ -7157,7 +7163,7 @@
         </p:spPr>
         <p:txBody>
           <a:bodyPr>
-            <a:normAutofit lnSpcReduction="10000"/>
+            <a:normAutofit/>
           </a:bodyPr>
           <a:lstStyle/>
           <a:p>
@@ -7198,103 +7204,6 @@
             </a:r>
           </a:p>
           <a:p>
-            <a:endParaRPr lang="es-ES_tradnl" dirty="0"/>
-          </a:p>
-          <a:p>
-            <a:r>
-              <a:rPr lang="es-ES_tradnl" b="1" dirty="0"/>
-              <a:t>bit _</a:t>
-            </a:r>
-            <a:r>
-              <a:rPr lang="es-ES_tradnl" b="1" dirty="0" err="1"/>
-              <a:t>operations</a:t>
-            </a:r>
-            <a:r>
-              <a:rPr lang="es-ES_tradnl" b="1" dirty="0"/>
-              <a:t>:</a:t>
-            </a:r>
-          </a:p>
-          <a:p>
-            <a:pPr marL="0" indent="0">
-              <a:buNone/>
-            </a:pPr>
-            <a:r>
-              <a:rPr lang="es-ES_tradnl" dirty="0"/>
-              <a:t>Hace un XOR con los bits de cada </a:t>
-            </a:r>
-            <a:r>
-              <a:rPr lang="es-ES_tradnl" dirty="0" err="1"/>
-              <a:t>caracter</a:t>
-            </a:r>
-            <a:r>
-              <a:rPr lang="es-ES_tradnl" dirty="0"/>
-              <a:t> del mensaje con el </a:t>
-            </a:r>
-            <a:r>
-              <a:rPr lang="es-ES_tradnl" dirty="0" err="1"/>
-              <a:t>caracter</a:t>
-            </a:r>
-            <a:r>
-              <a:rPr lang="es-ES_tradnl" dirty="0"/>
-              <a:t> de la llave correspondiente. Luego invierte los bits haciendo un </a:t>
-            </a:r>
-            <a:r>
-              <a:rPr lang="es-ES_tradnl" dirty="0" err="1"/>
-              <a:t>not</a:t>
-            </a:r>
-            <a:r>
-              <a:rPr lang="es-ES_tradnl" dirty="0"/>
-              <a:t>.</a:t>
-            </a:r>
-          </a:p>
-          <a:p>
-            <a:pPr marL="0" indent="0">
-              <a:buNone/>
-            </a:pPr>
-            <a:r>
-              <a:rPr lang="es-ES_tradnl" b="1" dirty="0"/>
-              <a:t>Ej. </a:t>
-            </a:r>
-          </a:p>
-          <a:p>
-            <a:pPr marL="0" indent="0">
-              <a:buNone/>
-            </a:pPr>
-            <a:r>
-              <a:rPr lang="es-ES_tradnl" dirty="0"/>
-              <a:t>Mensaje:	‘5’ – ASCII – 53 – 0011 0101</a:t>
-            </a:r>
-          </a:p>
-          <a:p>
-            <a:pPr marL="0" indent="0">
-              <a:buNone/>
-            </a:pPr>
-            <a:r>
-              <a:rPr lang="es-ES_tradnl" dirty="0"/>
-              <a:t>Clave:	‘S’ – ASCII – 83 – 0101 0011</a:t>
-            </a:r>
-          </a:p>
-          <a:p>
-            <a:pPr marL="0" indent="0">
-              <a:buNone/>
-            </a:pPr>
-            <a:r>
-              <a:rPr lang="es-ES_tradnl" dirty="0"/>
-              <a:t>			XOR	→	0110 0110	</a:t>
-            </a:r>
-          </a:p>
-          <a:p>
-            <a:pPr marL="0" indent="0">
-              <a:buNone/>
-            </a:pPr>
-            <a:r>
-              <a:rPr lang="es-ES_tradnl" dirty="0"/>
-              <a:t>			NOT	→	1001 1001 – 153 – ASCII – </a:t>
-            </a:r>
-            <a:r>
-              <a:rPr lang="es-ES_tradnl" dirty="0" err="1"/>
-              <a:t>Ö</a:t>
-            </a:r>
             <a:endParaRPr lang="es-ES_tradnl" dirty="0"/>
           </a:p>
         </p:txBody>
@@ -7334,7 +7243,7 @@
           <p:cNvPr id="2" name="Title 1">
             <a:extLst>
               <a:ext uri="{FF2B5EF4-FFF2-40B4-BE49-F238E27FC236}">
-                <a16:creationId xmlns:a16="http://schemas.microsoft.com/office/drawing/2014/main" id="{B46D1804-5273-0449-AE04-C789D0C6B5B4}"/>
+                <a16:creationId xmlns:a16="http://schemas.microsoft.com/office/drawing/2014/main" id="{80FF4455-0AFF-164C-BA8A-93F43536BE61}"/>
               </a:ext>
             </a:extLst>
           </p:cNvPr>
@@ -7345,267 +7254,24 @@
             <p:ph type="title"/>
           </p:nvPr>
         </p:nvSpPr>
-        <p:spPr>
-          <a:xfrm>
-            <a:off x="3242929" y="467140"/>
-            <a:ext cx="8187071" cy="5864086"/>
-          </a:xfrm>
-        </p:spPr>
+        <p:spPr/>
         <p:txBody>
-          <a:bodyPr anchor="ctr">
-            <a:normAutofit/>
-          </a:bodyPr>
+          <a:bodyPr/>
           <a:lstStyle/>
           <a:p>
-            <a:pPr>
-              <a:lnSpc>
-                <a:spcPct val="200000"/>
-              </a:lnSpc>
-            </a:pPr>
-            <a:r>
-              <a:rPr lang="es-ES_tradnl" sz="2000" cap="none" spc="0" dirty="0">
-                <a:solidFill>
-                  <a:schemeClr val="tx1">
-                    <a:lumMod val="65000"/>
-                    <a:lumOff val="35000"/>
-                  </a:schemeClr>
-                </a:solidFill>
-                <a:latin typeface="+mn-lt"/>
-                <a:ea typeface="+mn-ea"/>
-                <a:cs typeface="+mn-cs"/>
-              </a:rPr>
-              <a:t>1.  </a:t>
-            </a:r>
-            <a:r>
-              <a:rPr lang="es-ES_tradnl" sz="2000" cap="none" spc="0" dirty="0" err="1">
-                <a:solidFill>
-                  <a:schemeClr val="tx1">
-                    <a:lumMod val="65000"/>
-                    <a:lumOff val="35000"/>
-                  </a:schemeClr>
-                </a:solidFill>
-                <a:latin typeface="+mn-lt"/>
-                <a:ea typeface="+mn-ea"/>
-                <a:cs typeface="+mn-cs"/>
-              </a:rPr>
-              <a:t>shift_rows</a:t>
-            </a:r>
-            <a:r>
-              <a:rPr lang="es-ES_tradnl" sz="2000" cap="none" spc="0" dirty="0">
-                <a:solidFill>
-                  <a:schemeClr val="tx1">
-                    <a:lumMod val="65000"/>
-                    <a:lumOff val="35000"/>
-                  </a:schemeClr>
-                </a:solidFill>
-                <a:latin typeface="+mn-lt"/>
-                <a:ea typeface="+mn-ea"/>
-                <a:cs typeface="+mn-cs"/>
-              </a:rPr>
-              <a:t> (</a:t>
-            </a:r>
-            <a:r>
-              <a:rPr lang="es-ES_tradnl" sz="2000" cap="none" spc="0" dirty="0" err="1">
-                <a:solidFill>
-                  <a:schemeClr val="tx1">
-                    <a:lumMod val="65000"/>
-                    <a:lumOff val="35000"/>
-                  </a:schemeClr>
-                </a:solidFill>
-                <a:latin typeface="+mn-lt"/>
-                <a:ea typeface="+mn-ea"/>
-                <a:cs typeface="+mn-cs"/>
-              </a:rPr>
-              <a:t>left</a:t>
-            </a:r>
-            <a:r>
-              <a:rPr lang="es-ES_tradnl" sz="2000" cap="none" spc="0" dirty="0">
-                <a:solidFill>
-                  <a:schemeClr val="tx1">
-                    <a:lumMod val="65000"/>
-                    <a:lumOff val="35000"/>
-                  </a:schemeClr>
-                </a:solidFill>
-                <a:latin typeface="+mn-lt"/>
-                <a:ea typeface="+mn-ea"/>
-                <a:cs typeface="+mn-cs"/>
-              </a:rPr>
-              <a:t>)</a:t>
-            </a:r>
-            <a:br>
-              <a:rPr lang="es-ES_tradnl" sz="2000" cap="none" spc="0" dirty="0">
-                <a:solidFill>
-                  <a:schemeClr val="tx1">
-                    <a:lumMod val="65000"/>
-                    <a:lumOff val="35000"/>
-                  </a:schemeClr>
-                </a:solidFill>
-                <a:latin typeface="+mn-lt"/>
-                <a:ea typeface="+mn-ea"/>
-                <a:cs typeface="+mn-cs"/>
-              </a:rPr>
-            </a:br>
-            <a:r>
-              <a:rPr lang="es-ES_tradnl" sz="2000" cap="none" spc="0" dirty="0">
-                <a:solidFill>
-                  <a:schemeClr val="tx1">
-                    <a:lumMod val="65000"/>
-                    <a:lumOff val="35000"/>
-                  </a:schemeClr>
-                </a:solidFill>
-                <a:latin typeface="+mn-lt"/>
-                <a:ea typeface="+mn-ea"/>
-                <a:cs typeface="+mn-cs"/>
-              </a:rPr>
-              <a:t>2.  </a:t>
-            </a:r>
-            <a:r>
-              <a:rPr lang="es-ES_tradnl" sz="2000" cap="none" spc="0" dirty="0" err="1">
-                <a:solidFill>
-                  <a:schemeClr val="tx1">
-                    <a:lumMod val="65000"/>
-                    <a:lumOff val="35000"/>
-                  </a:schemeClr>
-                </a:solidFill>
-                <a:latin typeface="+mn-lt"/>
-                <a:ea typeface="+mn-ea"/>
-                <a:cs typeface="+mn-cs"/>
-              </a:rPr>
-              <a:t>shift_bits</a:t>
-            </a:r>
-            <a:br>
-              <a:rPr lang="es-ES_tradnl" sz="2000" cap="none" spc="0" dirty="0">
-                <a:solidFill>
-                  <a:schemeClr val="tx1">
-                    <a:lumMod val="65000"/>
-                    <a:lumOff val="35000"/>
-                  </a:schemeClr>
-                </a:solidFill>
-                <a:latin typeface="+mn-lt"/>
-                <a:ea typeface="+mn-ea"/>
-                <a:cs typeface="+mn-cs"/>
-              </a:rPr>
-            </a:br>
-            <a:r>
-              <a:rPr lang="es-ES_tradnl" sz="2000" cap="none" spc="0" dirty="0">
-                <a:solidFill>
-                  <a:schemeClr val="tx1">
-                    <a:lumMod val="65000"/>
-                    <a:lumOff val="35000"/>
-                  </a:schemeClr>
-                </a:solidFill>
-                <a:latin typeface="+mn-lt"/>
-                <a:ea typeface="+mn-ea"/>
-                <a:cs typeface="+mn-cs"/>
-              </a:rPr>
-              <a:t>3.  </a:t>
-            </a:r>
-            <a:r>
-              <a:rPr lang="es-ES_tradnl" sz="2000" cap="none" spc="0" dirty="0" err="1">
-                <a:solidFill>
-                  <a:schemeClr val="tx1">
-                    <a:lumMod val="65000"/>
-                    <a:lumOff val="35000"/>
-                  </a:schemeClr>
-                </a:solidFill>
-                <a:latin typeface="+mn-lt"/>
-                <a:ea typeface="+mn-ea"/>
-                <a:cs typeface="+mn-cs"/>
-              </a:rPr>
-              <a:t>transpose</a:t>
-            </a:r>
-            <a:br>
-              <a:rPr lang="es-ES_tradnl" sz="2000" cap="none" spc="0" dirty="0">
-                <a:solidFill>
-                  <a:schemeClr val="tx1">
-                    <a:lumMod val="65000"/>
-                    <a:lumOff val="35000"/>
-                  </a:schemeClr>
-                </a:solidFill>
-                <a:latin typeface="+mn-lt"/>
-                <a:ea typeface="+mn-ea"/>
-                <a:cs typeface="+mn-cs"/>
-              </a:rPr>
-            </a:br>
-            <a:r>
-              <a:rPr lang="es-ES_tradnl" sz="2000" cap="none" spc="0" dirty="0">
-                <a:solidFill>
-                  <a:schemeClr val="tx1">
-                    <a:lumMod val="65000"/>
-                    <a:lumOff val="35000"/>
-                  </a:schemeClr>
-                </a:solidFill>
-                <a:latin typeface="+mn-lt"/>
-                <a:ea typeface="+mn-ea"/>
-                <a:cs typeface="+mn-cs"/>
-              </a:rPr>
-              <a:t>4.  </a:t>
-            </a:r>
-            <a:r>
-              <a:rPr lang="es-ES_tradnl" sz="2000" cap="none" spc="0" dirty="0" err="1">
-                <a:solidFill>
-                  <a:schemeClr val="tx1">
-                    <a:lumMod val="65000"/>
-                    <a:lumOff val="35000"/>
-                  </a:schemeClr>
-                </a:solidFill>
-                <a:latin typeface="+mn-lt"/>
-                <a:ea typeface="+mn-ea"/>
-                <a:cs typeface="+mn-cs"/>
-              </a:rPr>
-              <a:t>bit_operations</a:t>
-            </a:r>
-            <a:r>
-              <a:rPr lang="es-ES_tradnl" sz="2000" cap="none" spc="0" dirty="0">
-                <a:solidFill>
-                  <a:schemeClr val="tx1">
-                    <a:lumMod val="65000"/>
-                    <a:lumOff val="35000"/>
-                  </a:schemeClr>
-                </a:solidFill>
-                <a:latin typeface="+mn-lt"/>
-                <a:ea typeface="+mn-ea"/>
-                <a:cs typeface="+mn-cs"/>
-              </a:rPr>
-              <a:t> (XOR, </a:t>
-            </a:r>
-            <a:r>
-              <a:rPr lang="es-ES_tradnl" sz="2000" cap="none" spc="0" dirty="0" err="1">
-                <a:solidFill>
-                  <a:schemeClr val="tx1">
-                    <a:lumMod val="65000"/>
-                    <a:lumOff val="35000"/>
-                  </a:schemeClr>
-                </a:solidFill>
-                <a:latin typeface="+mn-lt"/>
-                <a:ea typeface="+mn-ea"/>
-                <a:cs typeface="+mn-cs"/>
-              </a:rPr>
-              <a:t>not</a:t>
-            </a:r>
-            <a:r>
-              <a:rPr lang="es-ES_tradnl" sz="2000" cap="none" spc="0" dirty="0">
-                <a:solidFill>
-                  <a:schemeClr val="tx1">
-                    <a:lumMod val="65000"/>
-                    <a:lumOff val="35000"/>
-                  </a:schemeClr>
-                </a:solidFill>
-                <a:latin typeface="+mn-lt"/>
-                <a:ea typeface="+mn-ea"/>
-                <a:cs typeface="+mn-cs"/>
-              </a:rPr>
-              <a:t>)</a:t>
+            <a:r>
+              <a:rPr lang="es-ES_tradnl" dirty="0"/>
+              <a:t>Confusión</a:t>
             </a:r>
           </a:p>
         </p:txBody>
       </p:sp>
       <p:sp>
         <p:nvSpPr>
-          <p:cNvPr id="3" name="Text Placeholder 2">
+          <p:cNvPr id="3" name="Content Placeholder 2">
             <a:extLst>
               <a:ext uri="{FF2B5EF4-FFF2-40B4-BE49-F238E27FC236}">
-                <a16:creationId xmlns:a16="http://schemas.microsoft.com/office/drawing/2014/main" id="{C720A0A3-462E-4A41-9E68-6C3317772C4D}"/>
+                <a16:creationId xmlns:a16="http://schemas.microsoft.com/office/drawing/2014/main" id="{BF88FA64-7D73-A34E-A053-3373189C4701}"/>
               </a:ext>
             </a:extLst>
           </p:cNvPr>
@@ -7613,268 +7279,181 @@
             <a:spLocks noGrp="1"/>
           </p:cNvSpPr>
           <p:nvPr>
-            <p:ph type="body" idx="1"/>
+            <p:ph idx="1"/>
           </p:nvPr>
         </p:nvSpPr>
         <p:spPr>
           <a:xfrm>
-            <a:off x="118730" y="0"/>
-            <a:ext cx="845366" cy="6857999"/>
+            <a:off x="1251678" y="1292087"/>
+            <a:ext cx="10178322" cy="5183528"/>
           </a:xfrm>
         </p:spPr>
         <p:txBody>
-          <a:bodyPr vert="wordArtVert">
-            <a:noAutofit/>
+          <a:bodyPr>
+            <a:normAutofit fontScale="92500" lnSpcReduction="20000"/>
           </a:bodyPr>
           <a:lstStyle/>
           <a:p>
-            <a:pPr algn="ctr"/>
-            <a:r>
-              <a:rPr lang="es-ES_tradnl" sz="2700" dirty="0"/>
-              <a:t>Procedimiento</a:t>
-            </a:r>
-          </a:p>
-        </p:txBody>
-      </p:sp>
-      <p:sp>
-        <p:nvSpPr>
-          <p:cNvPr id="4" name="Text Placeholder 2">
-            <a:extLst>
-              <a:ext uri="{FF2B5EF4-FFF2-40B4-BE49-F238E27FC236}">
-                <a16:creationId xmlns:a16="http://schemas.microsoft.com/office/drawing/2014/main" id="{15754AED-572A-5548-B83D-5D9873F93B6A}"/>
-              </a:ext>
-            </a:extLst>
-          </p:cNvPr>
-          <p:cNvSpPr txBox="1">
-            <a:spLocks/>
-          </p:cNvSpPr>
-          <p:nvPr/>
-        </p:nvSpPr>
-        <p:spPr>
-          <a:xfrm>
-            <a:off x="762000" y="-29817"/>
-            <a:ext cx="845366" cy="6857999"/>
-          </a:xfrm>
-          <a:prstGeom prst="rect">
-            <a:avLst/>
-          </a:prstGeom>
-        </p:spPr>
-        <p:txBody>
-          <a:bodyPr vert="wordArtVert" lIns="91440" tIns="45720" rIns="91440" bIns="45720" rtlCol="0">
-            <a:noAutofit/>
-          </a:bodyPr>
-          <a:lstStyle>
-            <a:lvl1pPr marL="0" indent="0" algn="l" defTabSz="914400" rtl="0" eaLnBrk="1" latinLnBrk="0" hangingPunct="1">
-              <a:lnSpc>
-                <a:spcPct val="100000"/>
-              </a:lnSpc>
-              <a:spcBef>
-                <a:spcPts val="700"/>
-              </a:spcBef>
-              <a:buClr>
-                <a:schemeClr val="tx2"/>
-              </a:buClr>
-              <a:buFont typeface="Arial" panose="020B0604020202020204" pitchFamily="34" charset="0"/>
-              <a:buNone/>
-              <a:defRPr sz="2000" b="1" i="0" kern="1200" cap="all" spc="400" baseline="0">
-                <a:solidFill>
-                  <a:schemeClr val="accent1"/>
-                </a:solidFill>
-                <a:latin typeface="+mn-lt"/>
-                <a:ea typeface="+mn-ea"/>
-                <a:cs typeface="+mn-cs"/>
-              </a:defRPr>
-            </a:lvl1pPr>
-            <a:lvl2pPr marL="457200" indent="0" algn="l" defTabSz="914400" rtl="0" eaLnBrk="1" latinLnBrk="0" hangingPunct="1">
-              <a:lnSpc>
-                <a:spcPct val="110000"/>
-              </a:lnSpc>
-              <a:spcBef>
-                <a:spcPts val="700"/>
-              </a:spcBef>
-              <a:buClr>
-                <a:schemeClr val="tx2"/>
-              </a:buClr>
-              <a:buFont typeface="Gill Sans MT" panose="020B0502020104020203" pitchFamily="34" charset="0"/>
-              <a:buNone/>
-              <a:defRPr sz="2000" kern="1200">
-                <a:solidFill>
-                  <a:schemeClr val="tx1">
-                    <a:tint val="75000"/>
-                  </a:schemeClr>
-                </a:solidFill>
-                <a:latin typeface="+mn-lt"/>
-                <a:ea typeface="+mn-ea"/>
-                <a:cs typeface="+mn-cs"/>
-              </a:defRPr>
-            </a:lvl2pPr>
-            <a:lvl3pPr marL="914400" indent="0" algn="l" defTabSz="914400" rtl="0" eaLnBrk="1" latinLnBrk="0" hangingPunct="1">
-              <a:lnSpc>
-                <a:spcPct val="110000"/>
-              </a:lnSpc>
-              <a:spcBef>
-                <a:spcPts val="700"/>
-              </a:spcBef>
-              <a:buClr>
-                <a:schemeClr val="tx2"/>
-              </a:buClr>
-              <a:buFont typeface="Arial" panose="020B0604020202020204" pitchFamily="34" charset="0"/>
-              <a:buNone/>
-              <a:defRPr sz="1800" kern="1200">
-                <a:solidFill>
-                  <a:schemeClr val="tx1">
-                    <a:tint val="75000"/>
-                  </a:schemeClr>
-                </a:solidFill>
-                <a:latin typeface="+mn-lt"/>
-                <a:ea typeface="+mn-ea"/>
-                <a:cs typeface="+mn-cs"/>
-              </a:defRPr>
-            </a:lvl3pPr>
-            <a:lvl4pPr marL="1371600" indent="0" algn="l" defTabSz="914400" rtl="0" eaLnBrk="1" latinLnBrk="0" hangingPunct="1">
-              <a:lnSpc>
-                <a:spcPct val="110000"/>
-              </a:lnSpc>
-              <a:spcBef>
-                <a:spcPts val="700"/>
-              </a:spcBef>
-              <a:buClr>
-                <a:schemeClr val="tx2"/>
-              </a:buClr>
-              <a:buFont typeface="Gill Sans MT" panose="020B0502020104020203" pitchFamily="34" charset="0"/>
-              <a:buNone/>
-              <a:defRPr sz="1600" kern="1200">
-                <a:solidFill>
-                  <a:schemeClr val="tx1">
-                    <a:tint val="75000"/>
-                  </a:schemeClr>
-                </a:solidFill>
-                <a:latin typeface="+mn-lt"/>
-                <a:ea typeface="+mn-ea"/>
-                <a:cs typeface="+mn-cs"/>
-              </a:defRPr>
-            </a:lvl4pPr>
-            <a:lvl5pPr marL="1828800" indent="0" algn="l" defTabSz="914400" rtl="0" eaLnBrk="1" latinLnBrk="0" hangingPunct="1">
-              <a:lnSpc>
-                <a:spcPct val="110000"/>
-              </a:lnSpc>
-              <a:spcBef>
-                <a:spcPts val="700"/>
-              </a:spcBef>
-              <a:buClr>
-                <a:schemeClr val="tx2"/>
-              </a:buClr>
-              <a:buFont typeface="Arial" panose="020B0604020202020204" pitchFamily="34" charset="0"/>
-              <a:buNone/>
-              <a:defRPr sz="1600" kern="1200">
-                <a:solidFill>
-                  <a:schemeClr val="tx1">
-                    <a:tint val="75000"/>
-                  </a:schemeClr>
-                </a:solidFill>
-                <a:latin typeface="+mn-lt"/>
-                <a:ea typeface="+mn-ea"/>
-                <a:cs typeface="+mn-cs"/>
-              </a:defRPr>
-            </a:lvl5pPr>
-            <a:lvl6pPr marL="2286000" indent="0" algn="l" defTabSz="914400" rtl="0" eaLnBrk="1" latinLnBrk="0" hangingPunct="1">
-              <a:lnSpc>
-                <a:spcPct val="110000"/>
-              </a:lnSpc>
-              <a:spcBef>
-                <a:spcPts val="700"/>
-              </a:spcBef>
-              <a:buClr>
-                <a:schemeClr val="tx2"/>
-              </a:buClr>
-              <a:buFont typeface="Gill Sans MT" panose="020B0502020104020203" pitchFamily="34" charset="0"/>
-              <a:buNone/>
-              <a:defRPr sz="1600" kern="1200">
-                <a:solidFill>
-                  <a:schemeClr val="tx1">
-                    <a:tint val="75000"/>
-                  </a:schemeClr>
-                </a:solidFill>
-                <a:latin typeface="+mn-lt"/>
-                <a:ea typeface="+mn-ea"/>
-                <a:cs typeface="+mn-cs"/>
-              </a:defRPr>
-            </a:lvl6pPr>
-            <a:lvl7pPr marL="2743200" indent="0" algn="l" defTabSz="914400" rtl="0" eaLnBrk="1" latinLnBrk="0" hangingPunct="1">
-              <a:lnSpc>
-                <a:spcPct val="110000"/>
-              </a:lnSpc>
-              <a:spcBef>
-                <a:spcPts val="700"/>
-              </a:spcBef>
-              <a:buClr>
-                <a:schemeClr val="tx2"/>
-              </a:buClr>
-              <a:buFont typeface="Arial" panose="020B0604020202020204" pitchFamily="34" charset="0"/>
-              <a:buNone/>
-              <a:defRPr sz="1600" kern="1200">
-                <a:solidFill>
-                  <a:schemeClr val="tx1">
-                    <a:tint val="75000"/>
-                  </a:schemeClr>
-                </a:solidFill>
-                <a:latin typeface="+mn-lt"/>
-                <a:ea typeface="+mn-ea"/>
-                <a:cs typeface="+mn-cs"/>
-              </a:defRPr>
-            </a:lvl7pPr>
-            <a:lvl8pPr marL="3200400" indent="0" algn="l" defTabSz="914400" rtl="0" eaLnBrk="1" latinLnBrk="0" hangingPunct="1">
-              <a:lnSpc>
-                <a:spcPct val="110000"/>
-              </a:lnSpc>
-              <a:spcBef>
-                <a:spcPts val="700"/>
-              </a:spcBef>
-              <a:buClr>
-                <a:schemeClr val="tx2"/>
-              </a:buClr>
-              <a:buFont typeface="Gill Sans MT" panose="020B0502020104020203" pitchFamily="34" charset="0"/>
-              <a:buNone/>
-              <a:defRPr sz="1600" kern="1200" baseline="0">
-                <a:solidFill>
-                  <a:schemeClr val="tx1">
-                    <a:tint val="75000"/>
-                  </a:schemeClr>
-                </a:solidFill>
-                <a:latin typeface="+mn-lt"/>
-                <a:ea typeface="+mn-ea"/>
-                <a:cs typeface="+mn-cs"/>
-              </a:defRPr>
-            </a:lvl8pPr>
-            <a:lvl9pPr marL="3657600" indent="0" algn="l" defTabSz="914400" rtl="0" eaLnBrk="1" latinLnBrk="0" hangingPunct="1">
-              <a:lnSpc>
-                <a:spcPct val="110000"/>
-              </a:lnSpc>
-              <a:spcBef>
-                <a:spcPts val="700"/>
-              </a:spcBef>
-              <a:buClr>
-                <a:schemeClr val="tx2"/>
-              </a:buClr>
-              <a:buFont typeface="Arial" panose="020B0604020202020204" pitchFamily="34" charset="0"/>
-              <a:buNone/>
-              <a:defRPr sz="1600" kern="1200" baseline="0">
-                <a:solidFill>
-                  <a:schemeClr val="tx1">
-                    <a:tint val="75000"/>
-                  </a:schemeClr>
-                </a:solidFill>
-                <a:latin typeface="+mn-lt"/>
-                <a:ea typeface="+mn-ea"/>
-                <a:cs typeface="+mn-cs"/>
-              </a:defRPr>
-            </a:lvl9pPr>
-          </a:lstStyle>
-          <a:p>
-            <a:pPr algn="ctr"/>
-            <a:r>
-              <a:rPr lang="es-ES_tradnl" sz="2700" dirty="0"/>
-              <a:t>cifrado</a:t>
+            <a:r>
+              <a:rPr lang="es-ES_tradnl" b="1" dirty="0"/>
+              <a:t>bit _</a:t>
+            </a:r>
+            <a:r>
+              <a:rPr lang="es-ES_tradnl" b="1" dirty="0" err="1"/>
+              <a:t>operations</a:t>
+            </a:r>
+            <a:r>
+              <a:rPr lang="es-ES_tradnl" b="1" dirty="0"/>
+              <a:t>:</a:t>
+            </a:r>
+          </a:p>
+          <a:p>
+            <a:pPr marL="0" indent="0">
+              <a:buNone/>
+            </a:pPr>
+            <a:r>
+              <a:rPr lang="es-ES_tradnl" dirty="0"/>
+              <a:t>Hace un XOR con los bits de cada </a:t>
+            </a:r>
+            <a:r>
+              <a:rPr lang="es-ES_tradnl" dirty="0" err="1"/>
+              <a:t>caracter</a:t>
+            </a:r>
+            <a:r>
+              <a:rPr lang="es-ES_tradnl" dirty="0"/>
+              <a:t> del mensaje con el </a:t>
+            </a:r>
+            <a:r>
+              <a:rPr lang="es-ES_tradnl" dirty="0" err="1"/>
+              <a:t>caracter</a:t>
+            </a:r>
+            <a:r>
+              <a:rPr lang="es-ES_tradnl" dirty="0"/>
+              <a:t> correspondiente de la llave. Luego invierte los bits haciendo un </a:t>
+            </a:r>
+            <a:r>
+              <a:rPr lang="es-ES_tradnl" dirty="0" err="1"/>
+              <a:t>not</a:t>
+            </a:r>
+            <a:r>
+              <a:rPr lang="es-ES_tradnl" dirty="0"/>
+              <a:t>.</a:t>
+            </a:r>
+          </a:p>
+          <a:p>
+            <a:pPr marL="0" indent="0">
+              <a:buNone/>
+            </a:pPr>
+            <a:r>
+              <a:rPr lang="es-ES_tradnl" b="1" dirty="0"/>
+              <a:t>Ej. </a:t>
+            </a:r>
+          </a:p>
+          <a:p>
+            <a:pPr marL="0" indent="0">
+              <a:buNone/>
+            </a:pPr>
+            <a:r>
+              <a:rPr lang="es-ES_tradnl" dirty="0"/>
+              <a:t>Mensaje:	‘5’ – ASCII – 53 – 0011 0101</a:t>
+            </a:r>
+          </a:p>
+          <a:p>
+            <a:pPr marL="0" indent="0">
+              <a:buNone/>
+            </a:pPr>
+            <a:r>
+              <a:rPr lang="es-ES_tradnl" dirty="0"/>
+              <a:t>Clave:	‘S’ – ASCII – 83 – 0101 0011</a:t>
+            </a:r>
+          </a:p>
+          <a:p>
+            <a:pPr marL="0" indent="0">
+              <a:buNone/>
+            </a:pPr>
+            <a:r>
+              <a:rPr lang="es-ES_tradnl" dirty="0"/>
+              <a:t>			XOR	→	0110 0110	</a:t>
+            </a:r>
+          </a:p>
+          <a:p>
+            <a:pPr marL="0" indent="0">
+              <a:buNone/>
+            </a:pPr>
+            <a:r>
+              <a:rPr lang="es-ES_tradnl" dirty="0"/>
+              <a:t>			NOT	→	1001 1001 – 153 – ASCII – </a:t>
+            </a:r>
+            <a:r>
+              <a:rPr lang="es-ES_tradnl" dirty="0" err="1"/>
+              <a:t>Ö</a:t>
+            </a:r>
+            <a:endParaRPr lang="es-ES_tradnl" dirty="0"/>
+          </a:p>
+          <a:p>
+            <a:r>
+              <a:rPr lang="es-ES_tradnl" dirty="0" err="1"/>
+              <a:t>bit_operations</a:t>
+            </a:r>
+            <a:endParaRPr lang="es-ES_tradnl" dirty="0"/>
+          </a:p>
+          <a:p>
+            <a:pPr marL="0" indent="0">
+              <a:buNone/>
+            </a:pPr>
+            <a:r>
+              <a:rPr lang="es-ES_tradnl" dirty="0"/>
+              <a:t>Hace una suma con los bits de cada carácter del mensaje con el carácter correspondiente de la llave</a:t>
+            </a:r>
+          </a:p>
+          <a:p>
+            <a:pPr marL="0" indent="0">
+              <a:buNone/>
+            </a:pPr>
+            <a:r>
+              <a:rPr lang="es-ES_tradnl" b="1" dirty="0"/>
+              <a:t>Ej. </a:t>
+            </a:r>
+          </a:p>
+          <a:p>
+            <a:pPr marL="0" indent="0">
+              <a:buNone/>
+            </a:pPr>
+            <a:r>
+              <a:rPr lang="es-ES_tradnl" dirty="0"/>
+              <a:t>Mensaje:	‘5’ – ASCII – 53 </a:t>
+            </a:r>
+          </a:p>
+          <a:p>
+            <a:pPr marL="0" indent="0">
+              <a:buNone/>
+            </a:pPr>
+            <a:r>
+              <a:rPr lang="es-ES_tradnl" dirty="0"/>
+              <a:t>Clave:	‘S’ – ASCII – 83 </a:t>
+            </a:r>
+          </a:p>
+          <a:p>
+            <a:pPr marL="0" indent="0">
+              <a:buNone/>
+            </a:pPr>
+            <a:r>
+              <a:rPr lang="es-ES_tradnl" dirty="0"/>
+              <a:t>			SUMA	→	136 – ASCII - </a:t>
+            </a:r>
+            <a:r>
+              <a:rPr lang="es-ES_tradnl" dirty="0" err="1"/>
+              <a:t>ê</a:t>
+            </a:r>
+            <a:endParaRPr lang="es-ES_tradnl" dirty="0"/>
+          </a:p>
+          <a:p>
+            <a:pPr marL="0" indent="0">
+              <a:buNone/>
+            </a:pPr>
+            <a:r>
+              <a:rPr lang="es-ES_tradnl" dirty="0"/>
+              <a:t>			</a:t>
             </a:r>
           </a:p>
         </p:txBody>
@@ -7882,7 +7461,7 @@
     </p:spTree>
     <p:extLst>
       <p:ext uri="{BB962C8B-B14F-4D97-AF65-F5344CB8AC3E}">
-        <p14:creationId xmlns:p14="http://schemas.microsoft.com/office/powerpoint/2010/main" val="4178374228"/>
+        <p14:creationId xmlns:p14="http://schemas.microsoft.com/office/powerpoint/2010/main" val="845960006"/>
       </p:ext>
     </p:extLst>
   </p:cSld>
@@ -7968,7 +7547,7 @@
                 <a:ea typeface="+mn-ea"/>
                 <a:cs typeface="+mn-cs"/>
               </a:rPr>
-              <a:t>bit_operations</a:t>
+              <a:t>shift_rows</a:t>
             </a:r>
             <a:r>
               <a:rPr lang="es-ES_tradnl" sz="2000" cap="none" spc="0" dirty="0">
@@ -7996,7 +7575,7 @@
                 <a:ea typeface="+mn-ea"/>
                 <a:cs typeface="+mn-cs"/>
               </a:rPr>
-              <a:t>not</a:t>
+              <a:t>left</a:t>
             </a:r>
             <a:r>
               <a:rPr lang="es-ES_tradnl" sz="2000" cap="none" spc="0" dirty="0">
@@ -8010,7 +7589,7 @@
                 <a:ea typeface="+mn-ea"/>
                 <a:cs typeface="+mn-cs"/>
               </a:rPr>
-              <a:t>, XOR)</a:t>
+              <a:t>)</a:t>
             </a:r>
             <a:br>
               <a:rPr lang="es-ES_tradnl" sz="2000" cap="none" spc="0" dirty="0">
@@ -8051,7 +7630,7 @@
                 <a:ea typeface="+mn-ea"/>
                 <a:cs typeface="+mn-cs"/>
               </a:rPr>
-              <a:t>transpose</a:t>
+              <a:t>shift_bits</a:t>
             </a:r>
             <a:br>
               <a:rPr lang="es-ES_tradnl" sz="2000" cap="none" spc="0" dirty="0">
@@ -8092,7 +7671,7 @@
                 <a:ea typeface="+mn-ea"/>
                 <a:cs typeface="+mn-cs"/>
               </a:rPr>
-              <a:t>shift_bits</a:t>
+              <a:t>transpose</a:t>
             </a:r>
             <a:br>
               <a:rPr lang="es-ES_tradnl" sz="2000" cap="none" spc="0" dirty="0">
@@ -8133,7 +7712,7 @@
                 <a:ea typeface="+mn-ea"/>
                 <a:cs typeface="+mn-cs"/>
               </a:rPr>
-              <a:t>shift_rows</a:t>
+              <a:t>bit_operations</a:t>
             </a:r>
             <a:r>
               <a:rPr lang="es-ES_tradnl" sz="2000" cap="none" spc="0" dirty="0">
@@ -8147,7 +7726,7 @@
                 <a:ea typeface="+mn-ea"/>
                 <a:cs typeface="+mn-cs"/>
               </a:rPr>
-              <a:t> (</a:t>
+              <a:t> (suma, XOR, </a:t>
             </a:r>
             <a:r>
               <a:rPr lang="es-ES_tradnl" sz="2000" cap="none" spc="0" dirty="0" err="1">
@@ -8161,7 +7740,7 @@
                 <a:ea typeface="+mn-ea"/>
                 <a:cs typeface="+mn-cs"/>
               </a:rPr>
-              <a:t>right</a:t>
+              <a:t>not</a:t>
             </a:r>
             <a:r>
               <a:rPr lang="es-ES_tradnl" sz="2000" cap="none" spc="0" dirty="0">
@@ -8453,6 +8032,586 @@
           <a:p>
             <a:pPr algn="ctr"/>
             <a:r>
+              <a:rPr lang="es-ES_tradnl" sz="2700" dirty="0"/>
+              <a:t>cifrado</a:t>
+            </a:r>
+          </a:p>
+        </p:txBody>
+      </p:sp>
+    </p:spTree>
+    <p:extLst>
+      <p:ext uri="{BB962C8B-B14F-4D97-AF65-F5344CB8AC3E}">
+        <p14:creationId xmlns:p14="http://schemas.microsoft.com/office/powerpoint/2010/main" val="4178374228"/>
+      </p:ext>
+    </p:extLst>
+  </p:cSld>
+  <p:clrMapOvr>
+    <a:masterClrMapping/>
+  </p:clrMapOvr>
+</p:sld>
+</file>
+
+<file path=ppt/slides/slide6.xml><?xml version="1.0" encoding="utf-8"?>
+<p:sld xmlns:a="http://schemas.openxmlformats.org/drawingml/2006/main" xmlns:r="http://schemas.openxmlformats.org/officeDocument/2006/relationships" xmlns:p="http://schemas.openxmlformats.org/presentationml/2006/main">
+  <p:cSld>
+    <p:spTree>
+      <p:nvGrpSpPr>
+        <p:cNvPr id="1" name=""/>
+        <p:cNvGrpSpPr/>
+        <p:nvPr/>
+      </p:nvGrpSpPr>
+      <p:grpSpPr>
+        <a:xfrm>
+          <a:off x="0" y="0"/>
+          <a:ext cx="0" cy="0"/>
+          <a:chOff x="0" y="0"/>
+          <a:chExt cx="0" cy="0"/>
+        </a:xfrm>
+      </p:grpSpPr>
+      <p:sp>
+        <p:nvSpPr>
+          <p:cNvPr id="2" name="Title 1">
+            <a:extLst>
+              <a:ext uri="{FF2B5EF4-FFF2-40B4-BE49-F238E27FC236}">
+                <a16:creationId xmlns:a16="http://schemas.microsoft.com/office/drawing/2014/main" id="{B46D1804-5273-0449-AE04-C789D0C6B5B4}"/>
+              </a:ext>
+            </a:extLst>
+          </p:cNvPr>
+          <p:cNvSpPr>
+            <a:spLocks noGrp="1"/>
+          </p:cNvSpPr>
+          <p:nvPr>
+            <p:ph type="title"/>
+          </p:nvPr>
+        </p:nvSpPr>
+        <p:spPr>
+          <a:xfrm>
+            <a:off x="3242929" y="467140"/>
+            <a:ext cx="8187071" cy="5864086"/>
+          </a:xfrm>
+        </p:spPr>
+        <p:txBody>
+          <a:bodyPr anchor="ctr">
+            <a:normAutofit/>
+          </a:bodyPr>
+          <a:lstStyle/>
+          <a:p>
+            <a:pPr>
+              <a:lnSpc>
+                <a:spcPct val="200000"/>
+              </a:lnSpc>
+            </a:pPr>
+            <a:r>
+              <a:rPr lang="es-ES_tradnl" sz="2000" cap="none" spc="0" dirty="0">
+                <a:solidFill>
+                  <a:schemeClr val="tx1">
+                    <a:lumMod val="65000"/>
+                    <a:lumOff val="35000"/>
+                  </a:schemeClr>
+                </a:solidFill>
+                <a:latin typeface="+mn-lt"/>
+                <a:ea typeface="+mn-ea"/>
+                <a:cs typeface="+mn-cs"/>
+              </a:rPr>
+              <a:t>1.  </a:t>
+            </a:r>
+            <a:r>
+              <a:rPr lang="es-ES_tradnl" sz="2000" cap="none" spc="0" dirty="0" err="1">
+                <a:solidFill>
+                  <a:schemeClr val="tx1">
+                    <a:lumMod val="65000"/>
+                    <a:lumOff val="35000"/>
+                  </a:schemeClr>
+                </a:solidFill>
+                <a:latin typeface="+mn-lt"/>
+                <a:ea typeface="+mn-ea"/>
+                <a:cs typeface="+mn-cs"/>
+              </a:rPr>
+              <a:t>bit_operations</a:t>
+            </a:r>
+            <a:r>
+              <a:rPr lang="es-ES_tradnl" sz="2000" cap="none" spc="0" dirty="0">
+                <a:solidFill>
+                  <a:schemeClr val="tx1">
+                    <a:lumMod val="65000"/>
+                    <a:lumOff val="35000"/>
+                  </a:schemeClr>
+                </a:solidFill>
+                <a:latin typeface="+mn-lt"/>
+                <a:ea typeface="+mn-ea"/>
+                <a:cs typeface="+mn-cs"/>
+              </a:rPr>
+              <a:t> (</a:t>
+            </a:r>
+            <a:r>
+              <a:rPr lang="es-ES_tradnl" sz="2000" cap="none" spc="0" dirty="0" err="1">
+                <a:solidFill>
+                  <a:schemeClr val="tx1">
+                    <a:lumMod val="65000"/>
+                    <a:lumOff val="35000"/>
+                  </a:schemeClr>
+                </a:solidFill>
+                <a:latin typeface="+mn-lt"/>
+                <a:ea typeface="+mn-ea"/>
+                <a:cs typeface="+mn-cs"/>
+              </a:rPr>
+              <a:t>not</a:t>
+            </a:r>
+            <a:r>
+              <a:rPr lang="es-ES_tradnl" sz="2000" cap="none" spc="0" dirty="0">
+                <a:solidFill>
+                  <a:schemeClr val="tx1">
+                    <a:lumMod val="65000"/>
+                    <a:lumOff val="35000"/>
+                  </a:schemeClr>
+                </a:solidFill>
+                <a:latin typeface="+mn-lt"/>
+                <a:ea typeface="+mn-ea"/>
+                <a:cs typeface="+mn-cs"/>
+              </a:rPr>
+              <a:t>, XOR, resta)</a:t>
+            </a:r>
+            <a:br>
+              <a:rPr lang="es-ES_tradnl" sz="2000" cap="none" spc="0" dirty="0">
+                <a:solidFill>
+                  <a:schemeClr val="tx1">
+                    <a:lumMod val="65000"/>
+                    <a:lumOff val="35000"/>
+                  </a:schemeClr>
+                </a:solidFill>
+                <a:latin typeface="+mn-lt"/>
+                <a:ea typeface="+mn-ea"/>
+                <a:cs typeface="+mn-cs"/>
+              </a:rPr>
+            </a:br>
+            <a:r>
+              <a:rPr lang="es-ES_tradnl" sz="2000" cap="none" spc="0" dirty="0">
+                <a:solidFill>
+                  <a:schemeClr val="tx1">
+                    <a:lumMod val="65000"/>
+                    <a:lumOff val="35000"/>
+                  </a:schemeClr>
+                </a:solidFill>
+                <a:latin typeface="+mn-lt"/>
+                <a:ea typeface="+mn-ea"/>
+                <a:cs typeface="+mn-cs"/>
+              </a:rPr>
+              <a:t>2.  </a:t>
+            </a:r>
+            <a:r>
+              <a:rPr lang="es-ES_tradnl" sz="2000" cap="none" spc="0" dirty="0" err="1">
+                <a:solidFill>
+                  <a:schemeClr val="tx1">
+                    <a:lumMod val="65000"/>
+                    <a:lumOff val="35000"/>
+                  </a:schemeClr>
+                </a:solidFill>
+                <a:latin typeface="+mn-lt"/>
+                <a:ea typeface="+mn-ea"/>
+                <a:cs typeface="+mn-cs"/>
+              </a:rPr>
+              <a:t>transpose</a:t>
+            </a:r>
+            <a:br>
+              <a:rPr lang="es-ES_tradnl" sz="2000" cap="none" spc="0" dirty="0">
+                <a:solidFill>
+                  <a:schemeClr val="tx1">
+                    <a:lumMod val="65000"/>
+                    <a:lumOff val="35000"/>
+                  </a:schemeClr>
+                </a:solidFill>
+                <a:latin typeface="+mn-lt"/>
+                <a:ea typeface="+mn-ea"/>
+                <a:cs typeface="+mn-cs"/>
+              </a:rPr>
+            </a:br>
+            <a:r>
+              <a:rPr lang="es-ES_tradnl" sz="2000" cap="none" spc="0" dirty="0">
+                <a:solidFill>
+                  <a:schemeClr val="tx1">
+                    <a:lumMod val="65000"/>
+                    <a:lumOff val="35000"/>
+                  </a:schemeClr>
+                </a:solidFill>
+                <a:latin typeface="+mn-lt"/>
+                <a:ea typeface="+mn-ea"/>
+                <a:cs typeface="+mn-cs"/>
+              </a:rPr>
+              <a:t>3.  </a:t>
+            </a:r>
+            <a:r>
+              <a:rPr lang="es-ES_tradnl" sz="2000" cap="none" spc="0" dirty="0" err="1">
+                <a:solidFill>
+                  <a:schemeClr val="tx1">
+                    <a:lumMod val="65000"/>
+                    <a:lumOff val="35000"/>
+                  </a:schemeClr>
+                </a:solidFill>
+                <a:latin typeface="+mn-lt"/>
+                <a:ea typeface="+mn-ea"/>
+                <a:cs typeface="+mn-cs"/>
+              </a:rPr>
+              <a:t>shift_bits</a:t>
+            </a:r>
+            <a:br>
+              <a:rPr lang="es-ES_tradnl" sz="2000" cap="none" spc="0" dirty="0">
+                <a:solidFill>
+                  <a:schemeClr val="tx1">
+                    <a:lumMod val="65000"/>
+                    <a:lumOff val="35000"/>
+                  </a:schemeClr>
+                </a:solidFill>
+                <a:latin typeface="+mn-lt"/>
+                <a:ea typeface="+mn-ea"/>
+                <a:cs typeface="+mn-cs"/>
+              </a:rPr>
+            </a:br>
+            <a:r>
+              <a:rPr lang="es-ES_tradnl" sz="2000" cap="none" spc="0" dirty="0">
+                <a:solidFill>
+                  <a:schemeClr val="tx1">
+                    <a:lumMod val="65000"/>
+                    <a:lumOff val="35000"/>
+                  </a:schemeClr>
+                </a:solidFill>
+                <a:latin typeface="+mn-lt"/>
+                <a:ea typeface="+mn-ea"/>
+                <a:cs typeface="+mn-cs"/>
+              </a:rPr>
+              <a:t>4.  </a:t>
+            </a:r>
+            <a:r>
+              <a:rPr lang="es-ES_tradnl" sz="2000" cap="none" spc="0" dirty="0" err="1">
+                <a:solidFill>
+                  <a:schemeClr val="tx1">
+                    <a:lumMod val="65000"/>
+                    <a:lumOff val="35000"/>
+                  </a:schemeClr>
+                </a:solidFill>
+                <a:latin typeface="+mn-lt"/>
+                <a:ea typeface="+mn-ea"/>
+                <a:cs typeface="+mn-cs"/>
+              </a:rPr>
+              <a:t>shift_rows</a:t>
+            </a:r>
+            <a:r>
+              <a:rPr lang="es-ES_tradnl" sz="2000" cap="none" spc="0" dirty="0">
+                <a:solidFill>
+                  <a:schemeClr val="tx1">
+                    <a:lumMod val="65000"/>
+                    <a:lumOff val="35000"/>
+                  </a:schemeClr>
+                </a:solidFill>
+                <a:latin typeface="+mn-lt"/>
+                <a:ea typeface="+mn-ea"/>
+                <a:cs typeface="+mn-cs"/>
+              </a:rPr>
+              <a:t> (</a:t>
+            </a:r>
+            <a:r>
+              <a:rPr lang="es-ES_tradnl" sz="2000" cap="none" spc="0" dirty="0" err="1">
+                <a:solidFill>
+                  <a:schemeClr val="tx1">
+                    <a:lumMod val="65000"/>
+                    <a:lumOff val="35000"/>
+                  </a:schemeClr>
+                </a:solidFill>
+                <a:latin typeface="+mn-lt"/>
+                <a:ea typeface="+mn-ea"/>
+                <a:cs typeface="+mn-cs"/>
+              </a:rPr>
+              <a:t>right</a:t>
+            </a:r>
+            <a:r>
+              <a:rPr lang="es-ES_tradnl" sz="2000" cap="none" spc="0" dirty="0">
+                <a:solidFill>
+                  <a:schemeClr val="tx1">
+                    <a:lumMod val="65000"/>
+                    <a:lumOff val="35000"/>
+                  </a:schemeClr>
+                </a:solidFill>
+                <a:latin typeface="+mn-lt"/>
+                <a:ea typeface="+mn-ea"/>
+                <a:cs typeface="+mn-cs"/>
+              </a:rPr>
+              <a:t>)</a:t>
+            </a:r>
+          </a:p>
+        </p:txBody>
+      </p:sp>
+      <p:sp>
+        <p:nvSpPr>
+          <p:cNvPr id="3" name="Text Placeholder 2">
+            <a:extLst>
+              <a:ext uri="{FF2B5EF4-FFF2-40B4-BE49-F238E27FC236}">
+                <a16:creationId xmlns:a16="http://schemas.microsoft.com/office/drawing/2014/main" id="{C720A0A3-462E-4A41-9E68-6C3317772C4D}"/>
+              </a:ext>
+            </a:extLst>
+          </p:cNvPr>
+          <p:cNvSpPr>
+            <a:spLocks noGrp="1"/>
+          </p:cNvSpPr>
+          <p:nvPr>
+            <p:ph type="body" idx="1"/>
+          </p:nvPr>
+        </p:nvSpPr>
+        <p:spPr>
+          <a:xfrm>
+            <a:off x="118730" y="0"/>
+            <a:ext cx="845366" cy="6857999"/>
+          </a:xfrm>
+        </p:spPr>
+        <p:txBody>
+          <a:bodyPr vert="wordArtVert">
+            <a:noAutofit/>
+          </a:bodyPr>
+          <a:lstStyle/>
+          <a:p>
+            <a:pPr algn="ctr"/>
+            <a:r>
+              <a:rPr lang="es-ES_tradnl" sz="2700" dirty="0"/>
+              <a:t>Procedimiento</a:t>
+            </a:r>
+          </a:p>
+        </p:txBody>
+      </p:sp>
+      <p:sp>
+        <p:nvSpPr>
+          <p:cNvPr id="4" name="Text Placeholder 2">
+            <a:extLst>
+              <a:ext uri="{FF2B5EF4-FFF2-40B4-BE49-F238E27FC236}">
+                <a16:creationId xmlns:a16="http://schemas.microsoft.com/office/drawing/2014/main" id="{15754AED-572A-5548-B83D-5D9873F93B6A}"/>
+              </a:ext>
+            </a:extLst>
+          </p:cNvPr>
+          <p:cNvSpPr txBox="1">
+            <a:spLocks/>
+          </p:cNvSpPr>
+          <p:nvPr/>
+        </p:nvSpPr>
+        <p:spPr>
+          <a:xfrm>
+            <a:off x="762000" y="-29817"/>
+            <a:ext cx="845366" cy="6857999"/>
+          </a:xfrm>
+          <a:prstGeom prst="rect">
+            <a:avLst/>
+          </a:prstGeom>
+        </p:spPr>
+        <p:txBody>
+          <a:bodyPr vert="wordArtVert" lIns="91440" tIns="45720" rIns="91440" bIns="45720" rtlCol="0">
+            <a:noAutofit/>
+          </a:bodyPr>
+          <a:lstStyle>
+            <a:lvl1pPr marL="0" indent="0" algn="l" defTabSz="914400" rtl="0" eaLnBrk="1" latinLnBrk="0" hangingPunct="1">
+              <a:lnSpc>
+                <a:spcPct val="100000"/>
+              </a:lnSpc>
+              <a:spcBef>
+                <a:spcPts val="700"/>
+              </a:spcBef>
+              <a:buClr>
+                <a:schemeClr val="tx2"/>
+              </a:buClr>
+              <a:buFont typeface="Arial" panose="020B0604020202020204" pitchFamily="34" charset="0"/>
+              <a:buNone/>
+              <a:defRPr sz="2000" b="1" i="0" kern="1200" cap="all" spc="400" baseline="0">
+                <a:solidFill>
+                  <a:schemeClr val="accent1"/>
+                </a:solidFill>
+                <a:latin typeface="+mn-lt"/>
+                <a:ea typeface="+mn-ea"/>
+                <a:cs typeface="+mn-cs"/>
+              </a:defRPr>
+            </a:lvl1pPr>
+            <a:lvl2pPr marL="457200" indent="0" algn="l" defTabSz="914400" rtl="0" eaLnBrk="1" latinLnBrk="0" hangingPunct="1">
+              <a:lnSpc>
+                <a:spcPct val="110000"/>
+              </a:lnSpc>
+              <a:spcBef>
+                <a:spcPts val="700"/>
+              </a:spcBef>
+              <a:buClr>
+                <a:schemeClr val="tx2"/>
+              </a:buClr>
+              <a:buFont typeface="Gill Sans MT" panose="020B0502020104020203" pitchFamily="34" charset="0"/>
+              <a:buNone/>
+              <a:defRPr sz="2000" kern="1200">
+                <a:solidFill>
+                  <a:schemeClr val="tx1">
+                    <a:tint val="75000"/>
+                  </a:schemeClr>
+                </a:solidFill>
+                <a:latin typeface="+mn-lt"/>
+                <a:ea typeface="+mn-ea"/>
+                <a:cs typeface="+mn-cs"/>
+              </a:defRPr>
+            </a:lvl2pPr>
+            <a:lvl3pPr marL="914400" indent="0" algn="l" defTabSz="914400" rtl="0" eaLnBrk="1" latinLnBrk="0" hangingPunct="1">
+              <a:lnSpc>
+                <a:spcPct val="110000"/>
+              </a:lnSpc>
+              <a:spcBef>
+                <a:spcPts val="700"/>
+              </a:spcBef>
+              <a:buClr>
+                <a:schemeClr val="tx2"/>
+              </a:buClr>
+              <a:buFont typeface="Arial" panose="020B0604020202020204" pitchFamily="34" charset="0"/>
+              <a:buNone/>
+              <a:defRPr sz="1800" kern="1200">
+                <a:solidFill>
+                  <a:schemeClr val="tx1">
+                    <a:tint val="75000"/>
+                  </a:schemeClr>
+                </a:solidFill>
+                <a:latin typeface="+mn-lt"/>
+                <a:ea typeface="+mn-ea"/>
+                <a:cs typeface="+mn-cs"/>
+              </a:defRPr>
+            </a:lvl3pPr>
+            <a:lvl4pPr marL="1371600" indent="0" algn="l" defTabSz="914400" rtl="0" eaLnBrk="1" latinLnBrk="0" hangingPunct="1">
+              <a:lnSpc>
+                <a:spcPct val="110000"/>
+              </a:lnSpc>
+              <a:spcBef>
+                <a:spcPts val="700"/>
+              </a:spcBef>
+              <a:buClr>
+                <a:schemeClr val="tx2"/>
+              </a:buClr>
+              <a:buFont typeface="Gill Sans MT" panose="020B0502020104020203" pitchFamily="34" charset="0"/>
+              <a:buNone/>
+              <a:defRPr sz="1600" kern="1200">
+                <a:solidFill>
+                  <a:schemeClr val="tx1">
+                    <a:tint val="75000"/>
+                  </a:schemeClr>
+                </a:solidFill>
+                <a:latin typeface="+mn-lt"/>
+                <a:ea typeface="+mn-ea"/>
+                <a:cs typeface="+mn-cs"/>
+              </a:defRPr>
+            </a:lvl4pPr>
+            <a:lvl5pPr marL="1828800" indent="0" algn="l" defTabSz="914400" rtl="0" eaLnBrk="1" latinLnBrk="0" hangingPunct="1">
+              <a:lnSpc>
+                <a:spcPct val="110000"/>
+              </a:lnSpc>
+              <a:spcBef>
+                <a:spcPts val="700"/>
+              </a:spcBef>
+              <a:buClr>
+                <a:schemeClr val="tx2"/>
+              </a:buClr>
+              <a:buFont typeface="Arial" panose="020B0604020202020204" pitchFamily="34" charset="0"/>
+              <a:buNone/>
+              <a:defRPr sz="1600" kern="1200">
+                <a:solidFill>
+                  <a:schemeClr val="tx1">
+                    <a:tint val="75000"/>
+                  </a:schemeClr>
+                </a:solidFill>
+                <a:latin typeface="+mn-lt"/>
+                <a:ea typeface="+mn-ea"/>
+                <a:cs typeface="+mn-cs"/>
+              </a:defRPr>
+            </a:lvl5pPr>
+            <a:lvl6pPr marL="2286000" indent="0" algn="l" defTabSz="914400" rtl="0" eaLnBrk="1" latinLnBrk="0" hangingPunct="1">
+              <a:lnSpc>
+                <a:spcPct val="110000"/>
+              </a:lnSpc>
+              <a:spcBef>
+                <a:spcPts val="700"/>
+              </a:spcBef>
+              <a:buClr>
+                <a:schemeClr val="tx2"/>
+              </a:buClr>
+              <a:buFont typeface="Gill Sans MT" panose="020B0502020104020203" pitchFamily="34" charset="0"/>
+              <a:buNone/>
+              <a:defRPr sz="1600" kern="1200">
+                <a:solidFill>
+                  <a:schemeClr val="tx1">
+                    <a:tint val="75000"/>
+                  </a:schemeClr>
+                </a:solidFill>
+                <a:latin typeface="+mn-lt"/>
+                <a:ea typeface="+mn-ea"/>
+                <a:cs typeface="+mn-cs"/>
+              </a:defRPr>
+            </a:lvl6pPr>
+            <a:lvl7pPr marL="2743200" indent="0" algn="l" defTabSz="914400" rtl="0" eaLnBrk="1" latinLnBrk="0" hangingPunct="1">
+              <a:lnSpc>
+                <a:spcPct val="110000"/>
+              </a:lnSpc>
+              <a:spcBef>
+                <a:spcPts val="700"/>
+              </a:spcBef>
+              <a:buClr>
+                <a:schemeClr val="tx2"/>
+              </a:buClr>
+              <a:buFont typeface="Arial" panose="020B0604020202020204" pitchFamily="34" charset="0"/>
+              <a:buNone/>
+              <a:defRPr sz="1600" kern="1200">
+                <a:solidFill>
+                  <a:schemeClr val="tx1">
+                    <a:tint val="75000"/>
+                  </a:schemeClr>
+                </a:solidFill>
+                <a:latin typeface="+mn-lt"/>
+                <a:ea typeface="+mn-ea"/>
+                <a:cs typeface="+mn-cs"/>
+              </a:defRPr>
+            </a:lvl7pPr>
+            <a:lvl8pPr marL="3200400" indent="0" algn="l" defTabSz="914400" rtl="0" eaLnBrk="1" latinLnBrk="0" hangingPunct="1">
+              <a:lnSpc>
+                <a:spcPct val="110000"/>
+              </a:lnSpc>
+              <a:spcBef>
+                <a:spcPts val="700"/>
+              </a:spcBef>
+              <a:buClr>
+                <a:schemeClr val="tx2"/>
+              </a:buClr>
+              <a:buFont typeface="Gill Sans MT" panose="020B0502020104020203" pitchFamily="34" charset="0"/>
+              <a:buNone/>
+              <a:defRPr sz="1600" kern="1200" baseline="0">
+                <a:solidFill>
+                  <a:schemeClr val="tx1">
+                    <a:tint val="75000"/>
+                  </a:schemeClr>
+                </a:solidFill>
+                <a:latin typeface="+mn-lt"/>
+                <a:ea typeface="+mn-ea"/>
+                <a:cs typeface="+mn-cs"/>
+              </a:defRPr>
+            </a:lvl8pPr>
+            <a:lvl9pPr marL="3657600" indent="0" algn="l" defTabSz="914400" rtl="0" eaLnBrk="1" latinLnBrk="0" hangingPunct="1">
+              <a:lnSpc>
+                <a:spcPct val="110000"/>
+              </a:lnSpc>
+              <a:spcBef>
+                <a:spcPts val="700"/>
+              </a:spcBef>
+              <a:buClr>
+                <a:schemeClr val="tx2"/>
+              </a:buClr>
+              <a:buFont typeface="Arial" panose="020B0604020202020204" pitchFamily="34" charset="0"/>
+              <a:buNone/>
+              <a:defRPr sz="1600" kern="1200" baseline="0">
+                <a:solidFill>
+                  <a:schemeClr val="tx1">
+                    <a:tint val="75000"/>
+                  </a:schemeClr>
+                </a:solidFill>
+                <a:latin typeface="+mn-lt"/>
+                <a:ea typeface="+mn-ea"/>
+                <a:cs typeface="+mn-cs"/>
+              </a:defRPr>
+            </a:lvl9pPr>
+          </a:lstStyle>
+          <a:p>
+            <a:pPr algn="ctr"/>
+            <a:r>
               <a:rPr lang="es-ES_tradnl" sz="2600" dirty="0"/>
               <a:t>descifrado</a:t>
             </a:r>
@@ -8472,7 +8631,7 @@
 </p:sld>
 </file>
 
-<file path=ppt/slides/slide6.xml><?xml version="1.0" encoding="utf-8"?>
+<file path=ppt/slides/slide7.xml><?xml version="1.0" encoding="utf-8"?>
 <p:sld xmlns:a="http://schemas.openxmlformats.org/drawingml/2006/main" xmlns:r="http://schemas.openxmlformats.org/officeDocument/2006/relationships" xmlns:p="http://schemas.openxmlformats.org/presentationml/2006/main">
   <p:cSld>
     <p:spTree>
@@ -8709,7 +8868,7 @@
 </p:sld>
 </file>
 
-<file path=ppt/slides/slide7.xml><?xml version="1.0" encoding="utf-8"?>
+<file path=ppt/slides/slide8.xml><?xml version="1.0" encoding="utf-8"?>
 <p:sld xmlns:a="http://schemas.openxmlformats.org/drawingml/2006/main" xmlns:r="http://schemas.openxmlformats.org/officeDocument/2006/relationships" xmlns:p="http://schemas.openxmlformats.org/presentationml/2006/main">
   <p:cSld>
     <p:spTree>

--- a/algoritmo.pptx
+++ b/algoritmo.pptx
@@ -1331,7 +1331,7 @@
             <a:fld id="{9334D819-9F07-4261-B09B-9E467E5D9002}" type="datetimeFigureOut">
               <a:rPr lang="en-US" dirty="0"/>
               <a:pPr/>
-              <a:t>3/21/21</a:t>
+              <a:t>3/22/21</a:t>
             </a:fld>
             <a:endParaRPr lang="en-US" dirty="0"/>
           </a:p>
@@ -1565,7 +1565,7 @@
           <a:p>
             <a:fld id="{9334D819-9F07-4261-B09B-9E467E5D9002}" type="datetimeFigureOut">
               <a:rPr lang="en-US" dirty="0"/>
-              <a:t>3/21/21</a:t>
+              <a:t>3/22/21</a:t>
             </a:fld>
             <a:endParaRPr lang="en-US" dirty="0"/>
           </a:p>
@@ -1740,7 +1740,7 @@
           <a:p>
             <a:fld id="{9334D819-9F07-4261-B09B-9E467E5D9002}" type="datetimeFigureOut">
               <a:rPr lang="en-US" dirty="0"/>
-              <a:t>3/21/21</a:t>
+              <a:t>3/22/21</a:t>
             </a:fld>
             <a:endParaRPr lang="en-US" dirty="0"/>
           </a:p>
@@ -1905,7 +1905,7 @@
           <a:p>
             <a:fld id="{9334D819-9F07-4261-B09B-9E467E5D9002}" type="datetimeFigureOut">
               <a:rPr lang="en-US" dirty="0"/>
-              <a:t>3/21/21</a:t>
+              <a:t>3/22/21</a:t>
             </a:fld>
             <a:endParaRPr lang="en-US" dirty="0"/>
           </a:p>
@@ -2177,7 +2177,7 @@
             <a:fld id="{9334D819-9F07-4261-B09B-9E467E5D9002}" type="datetimeFigureOut">
               <a:rPr lang="en-US" dirty="0"/>
               <a:pPr/>
-              <a:t>3/21/21</a:t>
+              <a:t>3/22/21</a:t>
             </a:fld>
             <a:endParaRPr lang="en-US" dirty="0"/>
           </a:p>
@@ -3374,7 +3374,7 @@
           <a:p>
             <a:fld id="{9334D819-9F07-4261-B09B-9E467E5D9002}" type="datetimeFigureOut">
               <a:rPr lang="en-US" dirty="0"/>
-              <a:t>3/21/21</a:t>
+              <a:t>3/22/21</a:t>
             </a:fld>
             <a:endParaRPr lang="en-US" dirty="0"/>
           </a:p>
@@ -3759,7 +3759,7 @@
           <a:p>
             <a:fld id="{9334D819-9F07-4261-B09B-9E467E5D9002}" type="datetimeFigureOut">
               <a:rPr lang="en-US" dirty="0"/>
-              <a:t>3/21/21</a:t>
+              <a:t>3/22/21</a:t>
             </a:fld>
             <a:endParaRPr lang="en-US" dirty="0"/>
           </a:p>
@@ -3877,7 +3877,7 @@
           <a:p>
             <a:fld id="{9334D819-9F07-4261-B09B-9E467E5D9002}" type="datetimeFigureOut">
               <a:rPr lang="en-US" dirty="0"/>
-              <a:t>3/21/21</a:t>
+              <a:t>3/22/21</a:t>
             </a:fld>
             <a:endParaRPr lang="en-US" dirty="0"/>
           </a:p>
@@ -3967,7 +3967,7 @@
           <a:p>
             <a:fld id="{9334D819-9F07-4261-B09B-9E467E5D9002}" type="datetimeFigureOut">
               <a:rPr lang="en-US" dirty="0"/>
-              <a:t>3/21/21</a:t>
+              <a:t>3/22/21</a:t>
             </a:fld>
             <a:endParaRPr lang="en-US" dirty="0"/>
           </a:p>
@@ -4725,7 +4725,7 @@
           <a:p>
             <a:fld id="{9334D819-9F07-4261-B09B-9E467E5D9002}" type="datetimeFigureOut">
               <a:rPr lang="en-US" dirty="0"/>
-              <a:t>3/21/21</a:t>
+              <a:t>3/22/21</a:t>
             </a:fld>
             <a:endParaRPr lang="en-US" dirty="0"/>
           </a:p>
@@ -5560,7 +5560,7 @@
           <a:p>
             <a:fld id="{9334D819-9F07-4261-B09B-9E467E5D9002}" type="datetimeFigureOut">
               <a:rPr lang="en-US" dirty="0"/>
-              <a:t>3/21/21</a:t>
+              <a:t>3/22/21</a:t>
             </a:fld>
             <a:endParaRPr lang="en-US" dirty="0"/>
           </a:p>
@@ -5783,7 +5783,7 @@
             <a:fld id="{9334D819-9F07-4261-B09B-9E467E5D9002}" type="datetimeFigureOut">
               <a:rPr lang="en-US" dirty="0"/>
               <a:pPr/>
-              <a:t>3/21/21</a:t>
+              <a:t>3/22/21</a:t>
             </a:fld>
             <a:endParaRPr lang="en-US" dirty="0"/>
           </a:p>
@@ -6845,8 +6845,13 @@
             <a:pPr algn="r"/>
             <a:r>
               <a:rPr lang="es-ES_tradnl" dirty="0"/>
-              <a:t>cifrado simétrico</a:t>
-            </a:r>
+              <a:t>cifrado simétrico-</a:t>
+            </a:r>
+            <a:r>
+              <a:rPr lang="es-ES_tradnl" dirty="0" err="1"/>
+              <a:t>listoKalixto</a:t>
+            </a:r>
+            <a:endParaRPr lang="es-ES_tradnl" dirty="0"/>
           </a:p>
           <a:p>
             <a:pPr algn="r"/>
